--- a/AI-Presentation.pptx
+++ b/AI-Presentation.pptx
@@ -6,11 +6,12 @@
   </p:sldMasterIdLst>
   <p:sldIdLst>
     <p:sldId id="256" r:id="rId2"/>
-    <p:sldId id="257" r:id="rId3"/>
-    <p:sldId id="258" r:id="rId4"/>
-    <p:sldId id="259" r:id="rId5"/>
-    <p:sldId id="260" r:id="rId6"/>
-    <p:sldId id="261" r:id="rId7"/>
+    <p:sldId id="262" r:id="rId3"/>
+    <p:sldId id="257" r:id="rId4"/>
+    <p:sldId id="258" r:id="rId5"/>
+    <p:sldId id="259" r:id="rId6"/>
+    <p:sldId id="260" r:id="rId7"/>
+    <p:sldId id="261" r:id="rId8"/>
   </p:sldIdLst>
   <p:sldSz cx="12192000" cy="6858000"/>
   <p:notesSz cx="6858000" cy="9144000"/>
@@ -109,6 +110,11 @@
       </a:defRPr>
     </a:lvl9pPr>
   </p:defaultTextStyle>
+  <p:extLst>
+    <p:ext uri="{EFAFB233-063F-42B5-8137-9DF3F51BA10A}">
+      <p15:sldGuideLst xmlns:p15="http://schemas.microsoft.com/office/powerpoint/2012/main"/>
+    </p:ext>
+  </p:extLst>
 </p:presentation>
 </file>
 
@@ -259,7 +265,7 @@
           <a:p>
             <a:fld id="{54240A7E-5AB3-4845-AC92-05FE91FE566E}" type="datetimeFigureOut">
               <a:rPr lang="de-DE" smtClean="0"/>
-              <a:t>21.01.2023</a:t>
+              <a:t>24.01.2023</a:t>
             </a:fld>
             <a:endParaRPr lang="de-DE"/>
           </a:p>
@@ -457,7 +463,7 @@
           <a:p>
             <a:fld id="{54240A7E-5AB3-4845-AC92-05FE91FE566E}" type="datetimeFigureOut">
               <a:rPr lang="de-DE" smtClean="0"/>
-              <a:t>21.01.2023</a:t>
+              <a:t>24.01.2023</a:t>
             </a:fld>
             <a:endParaRPr lang="de-DE"/>
           </a:p>
@@ -665,7 +671,7 @@
           <a:p>
             <a:fld id="{54240A7E-5AB3-4845-AC92-05FE91FE566E}" type="datetimeFigureOut">
               <a:rPr lang="de-DE" smtClean="0"/>
-              <a:t>21.01.2023</a:t>
+              <a:t>24.01.2023</a:t>
             </a:fld>
             <a:endParaRPr lang="de-DE"/>
           </a:p>
@@ -863,7 +869,7 @@
           <a:p>
             <a:fld id="{54240A7E-5AB3-4845-AC92-05FE91FE566E}" type="datetimeFigureOut">
               <a:rPr lang="de-DE" smtClean="0"/>
-              <a:t>21.01.2023</a:t>
+              <a:t>24.01.2023</a:t>
             </a:fld>
             <a:endParaRPr lang="de-DE"/>
           </a:p>
@@ -1138,7 +1144,7 @@
           <a:p>
             <a:fld id="{54240A7E-5AB3-4845-AC92-05FE91FE566E}" type="datetimeFigureOut">
               <a:rPr lang="de-DE" smtClean="0"/>
-              <a:t>21.01.2023</a:t>
+              <a:t>24.01.2023</a:t>
             </a:fld>
             <a:endParaRPr lang="de-DE"/>
           </a:p>
@@ -1403,7 +1409,7 @@
           <a:p>
             <a:fld id="{54240A7E-5AB3-4845-AC92-05FE91FE566E}" type="datetimeFigureOut">
               <a:rPr lang="de-DE" smtClean="0"/>
-              <a:t>21.01.2023</a:t>
+              <a:t>24.01.2023</a:t>
             </a:fld>
             <a:endParaRPr lang="de-DE"/>
           </a:p>
@@ -1815,7 +1821,7 @@
           <a:p>
             <a:fld id="{54240A7E-5AB3-4845-AC92-05FE91FE566E}" type="datetimeFigureOut">
               <a:rPr lang="de-DE" smtClean="0"/>
-              <a:t>21.01.2023</a:t>
+              <a:t>24.01.2023</a:t>
             </a:fld>
             <a:endParaRPr lang="de-DE"/>
           </a:p>
@@ -1956,7 +1962,7 @@
           <a:p>
             <a:fld id="{54240A7E-5AB3-4845-AC92-05FE91FE566E}" type="datetimeFigureOut">
               <a:rPr lang="de-DE" smtClean="0"/>
-              <a:t>21.01.2023</a:t>
+              <a:t>24.01.2023</a:t>
             </a:fld>
             <a:endParaRPr lang="de-DE"/>
           </a:p>
@@ -2069,7 +2075,7 @@
           <a:p>
             <a:fld id="{54240A7E-5AB3-4845-AC92-05FE91FE566E}" type="datetimeFigureOut">
               <a:rPr lang="de-DE" smtClean="0"/>
-              <a:t>21.01.2023</a:t>
+              <a:t>24.01.2023</a:t>
             </a:fld>
             <a:endParaRPr lang="de-DE"/>
           </a:p>
@@ -2380,7 +2386,7 @@
           <a:p>
             <a:fld id="{54240A7E-5AB3-4845-AC92-05FE91FE566E}" type="datetimeFigureOut">
               <a:rPr lang="de-DE" smtClean="0"/>
-              <a:t>21.01.2023</a:t>
+              <a:t>24.01.2023</a:t>
             </a:fld>
             <a:endParaRPr lang="de-DE"/>
           </a:p>
@@ -2668,7 +2674,7 @@
           <a:p>
             <a:fld id="{54240A7E-5AB3-4845-AC92-05FE91FE566E}" type="datetimeFigureOut">
               <a:rPr lang="de-DE" smtClean="0"/>
-              <a:t>21.01.2023</a:t>
+              <a:t>24.01.2023</a:t>
             </a:fld>
             <a:endParaRPr lang="de-DE"/>
           </a:p>
@@ -2909,7 +2915,7 @@
           <a:p>
             <a:fld id="{54240A7E-5AB3-4845-AC92-05FE91FE566E}" type="datetimeFigureOut">
               <a:rPr lang="de-DE" smtClean="0"/>
-              <a:t>21.01.2023</a:t>
+              <a:t>24.01.2023</a:t>
             </a:fld>
             <a:endParaRPr lang="de-DE"/>
           </a:p>
@@ -3407,6 +3413,14 @@
 <file path=ppt/slides/slide2.xml><?xml version="1.0" encoding="utf-8"?>
 <p:sld xmlns:a="http://schemas.openxmlformats.org/drawingml/2006/main" xmlns:r="http://schemas.openxmlformats.org/officeDocument/2006/relationships" xmlns:p="http://schemas.openxmlformats.org/presentationml/2006/main">
   <p:cSld>
+    <p:bg>
+      <p:bgPr>
+        <a:solidFill>
+          <a:schemeClr val="bg1"/>
+        </a:solidFill>
+        <a:effectLst/>
+      </p:bgPr>
+    </p:bg>
     <p:spTree>
       <p:nvGrpSpPr>
         <p:cNvPr id="1" name=""/>
@@ -3421,90 +3435,77 @@
           <a:chExt cx="0" cy="0"/>
         </a:xfrm>
       </p:grpSpPr>
-      <p:sp>
-        <p:nvSpPr>
-          <p:cNvPr id="2" name="Titel 1">
-            <a:extLst>
-              <a:ext uri="{FF2B5EF4-FFF2-40B4-BE49-F238E27FC236}">
-                <a16:creationId xmlns:a16="http://schemas.microsoft.com/office/drawing/2014/main" id="{E26E2B62-FDA9-771C-C735-C93CAE518A8C}"/>
-              </a:ext>
-            </a:extLst>
-          </p:cNvPr>
-          <p:cNvSpPr>
-            <a:spLocks noGrp="1"/>
-          </p:cNvSpPr>
-          <p:nvPr>
-            <p:ph type="title"/>
-          </p:nvPr>
-        </p:nvSpPr>
-        <p:spPr/>
-        <p:txBody>
-          <a:bodyPr/>
-          <a:lstStyle/>
-          <a:p>
-            <a:r>
-              <a:rPr lang="de-DE" dirty="0"/>
-              <a:t>Gliederung</a:t>
-            </a:r>
-          </a:p>
-        </p:txBody>
-      </p:sp>
-      <p:sp>
-        <p:nvSpPr>
-          <p:cNvPr id="3" name="Inhaltsplatzhalter 2">
-            <a:extLst>
-              <a:ext uri="{FF2B5EF4-FFF2-40B4-BE49-F238E27FC236}">
-                <a16:creationId xmlns:a16="http://schemas.microsoft.com/office/drawing/2014/main" id="{B95251FC-CA62-991C-24B6-86D71F535056}"/>
-              </a:ext>
-            </a:extLst>
-          </p:cNvPr>
-          <p:cNvSpPr>
-            <a:spLocks noGrp="1"/>
-          </p:cNvSpPr>
+      <p:pic>
+        <p:nvPicPr>
+          <p:cNvPr id="4" name="Introduction">
+            <a:hlinkClick r:id="" action="ppaction://media"/>
+            <a:extLst>
+              <a:ext uri="{FF2B5EF4-FFF2-40B4-BE49-F238E27FC236}">
+                <a16:creationId xmlns:a16="http://schemas.microsoft.com/office/drawing/2014/main" id="{9C9C8AE3-DDA3-394F-B2CA-609292F4CE31}"/>
+              </a:ext>
+            </a:extLst>
+          </p:cNvPr>
+          <p:cNvPicPr>
+            <a:picLocks noGrp="1" noChangeAspect="1"/>
+          </p:cNvPicPr>
           <p:nvPr>
             <p:ph idx="1"/>
-          </p:nvPr>
-        </p:nvSpPr>
-        <p:spPr/>
-        <p:txBody>
-          <a:bodyPr/>
-          <a:lstStyle/>
-          <a:p>
-            <a:r>
-              <a:rPr lang="de-DE" dirty="0"/>
-              <a:t>Einführung</a:t>
-            </a:r>
-          </a:p>
-          <a:p>
-            <a:r>
-              <a:rPr lang="de-DE" dirty="0"/>
-              <a:t>Anwendung von KI</a:t>
-            </a:r>
-          </a:p>
-          <a:p>
-            <a:r>
-              <a:rPr lang="de-DE" dirty="0"/>
-              <a:t>Hilfreiche Programme / Anwendungen</a:t>
-            </a:r>
-          </a:p>
-          <a:p>
-            <a:r>
-              <a:rPr lang="de-DE" dirty="0"/>
-              <a:t>Schluss</a:t>
-            </a:r>
-          </a:p>
-        </p:txBody>
-      </p:sp>
+            <a:videoFile r:link="rId2"/>
+            <p:extLst>
+              <p:ext uri="{DAA4B4D4-6D71-4841-9C94-3DE7FCFB9230}">
+                <p14:media xmlns:p14="http://schemas.microsoft.com/office/powerpoint/2010/main" r:embed="rId1"/>
+              </p:ext>
+            </p:extLst>
+          </p:nvPr>
+        </p:nvPicPr>
+        <p:blipFill>
+          <a:blip r:embed="rId4"/>
+          <a:stretch>
+            <a:fillRect/>
+          </a:stretch>
+        </p:blipFill>
+        <p:spPr>
+          <a:xfrm>
+            <a:off x="1408533" y="229803"/>
+            <a:ext cx="9374933" cy="6398393"/>
+          </a:xfrm>
+          <a:prstGeom prst="rect">
+            <a:avLst/>
+          </a:prstGeom>
+        </p:spPr>
+      </p:pic>
     </p:spTree>
     <p:extLst>
       <p:ext uri="{BB962C8B-B14F-4D97-AF65-F5344CB8AC3E}">
-        <p14:creationId xmlns:p14="http://schemas.microsoft.com/office/powerpoint/2010/main" val="4144392817"/>
+        <p14:creationId xmlns:p14="http://schemas.microsoft.com/office/powerpoint/2010/main" val="858497227"/>
       </p:ext>
     </p:extLst>
   </p:cSld>
   <p:clrMapOvr>
     <a:masterClrMapping/>
   </p:clrMapOvr>
+  <p:timing>
+    <p:tnLst>
+      <p:par>
+        <p:cTn id="1" dur="indefinite" restart="never" nodeType="tmRoot">
+          <p:childTnLst>
+            <p:video>
+              <p:cMediaNode vol="80000">
+                <p:cTn id="2" fill="hold" display="0">
+                  <p:stCondLst>
+                    <p:cond delay="indefinite"/>
+                  </p:stCondLst>
+                </p:cTn>
+                <p:tgtEl>
+                  <p:spTgt spid="4"/>
+                </p:tgtEl>
+              </p:cMediaNode>
+            </p:video>
+          </p:childTnLst>
+        </p:cTn>
+      </p:par>
+    </p:tnLst>
+  </p:timing>
 </p:sld>
 </file>
 
@@ -3530,7 +3531,7 @@
           <p:cNvPr id="2" name="Titel 1">
             <a:extLst>
               <a:ext uri="{FF2B5EF4-FFF2-40B4-BE49-F238E27FC236}">
-                <a16:creationId xmlns:a16="http://schemas.microsoft.com/office/drawing/2014/main" id="{C872FFF8-6B98-CE27-7729-1B2B816E95B3}"/>
+                <a16:creationId xmlns:a16="http://schemas.microsoft.com/office/drawing/2014/main" id="{E26E2B62-FDA9-771C-C735-C93CAE518A8C}"/>
               </a:ext>
             </a:extLst>
           </p:cNvPr>
@@ -3539,6 +3540,34 @@
           </p:cNvSpPr>
           <p:nvPr>
             <p:ph type="title"/>
+          </p:nvPr>
+        </p:nvSpPr>
+        <p:spPr/>
+        <p:txBody>
+          <a:bodyPr/>
+          <a:lstStyle/>
+          <a:p>
+            <a:r>
+              <a:rPr lang="de-DE" dirty="0"/>
+              <a:t>Gliederung</a:t>
+            </a:r>
+          </a:p>
+        </p:txBody>
+      </p:sp>
+      <p:sp>
+        <p:nvSpPr>
+          <p:cNvPr id="3" name="Inhaltsplatzhalter 2">
+            <a:extLst>
+              <a:ext uri="{FF2B5EF4-FFF2-40B4-BE49-F238E27FC236}">
+                <a16:creationId xmlns:a16="http://schemas.microsoft.com/office/drawing/2014/main" id="{B95251FC-CA62-991C-24B6-86D71F535056}"/>
+              </a:ext>
+            </a:extLst>
+          </p:cNvPr>
+          <p:cNvSpPr>
+            <a:spLocks noGrp="1"/>
+          </p:cNvSpPr>
+          <p:nvPr>
+            <p:ph idx="1"/>
           </p:nvPr>
         </p:nvSpPr>
         <p:spPr/>
@@ -3551,32 +3580,22 @@
               <a:t>Einführung</a:t>
             </a:r>
           </a:p>
-        </p:txBody>
-      </p:sp>
-      <p:sp>
-        <p:nvSpPr>
-          <p:cNvPr id="3" name="Inhaltsplatzhalter 2">
-            <a:extLst>
-              <a:ext uri="{FF2B5EF4-FFF2-40B4-BE49-F238E27FC236}">
-                <a16:creationId xmlns:a16="http://schemas.microsoft.com/office/drawing/2014/main" id="{B54EBF38-080E-867F-A5A0-DB36F2AF8975}"/>
-              </a:ext>
-            </a:extLst>
-          </p:cNvPr>
-          <p:cNvSpPr>
-            <a:spLocks noGrp="1"/>
-          </p:cNvSpPr>
-          <p:nvPr>
-            <p:ph idx="1"/>
-          </p:nvPr>
-        </p:nvSpPr>
-        <p:spPr/>
-        <p:txBody>
-          <a:bodyPr/>
-          <a:lstStyle/>
           <a:p>
             <a:r>
               <a:rPr lang="de-DE" dirty="0"/>
-              <a:t>Was ist KI</a:t>
+              <a:t>Anwendung von KI</a:t>
+            </a:r>
+          </a:p>
+          <a:p>
+            <a:r>
+              <a:rPr lang="de-DE" dirty="0"/>
+              <a:t>Hilfreiche Programme / Anwendungen</a:t>
+            </a:r>
+          </a:p>
+          <a:p>
+            <a:r>
+              <a:rPr lang="de-DE" dirty="0"/>
+              <a:t>Schluss</a:t>
             </a:r>
           </a:p>
         </p:txBody>
@@ -3584,7 +3603,7 @@
     </p:spTree>
     <p:extLst>
       <p:ext uri="{BB962C8B-B14F-4D97-AF65-F5344CB8AC3E}">
-        <p14:creationId xmlns:p14="http://schemas.microsoft.com/office/powerpoint/2010/main" val="1998156827"/>
+        <p14:creationId xmlns:p14="http://schemas.microsoft.com/office/powerpoint/2010/main" val="4144392817"/>
       </p:ext>
     </p:extLst>
   </p:cSld>
@@ -3616,7 +3635,7 @@
           <p:cNvPr id="2" name="Titel 1">
             <a:extLst>
               <a:ext uri="{FF2B5EF4-FFF2-40B4-BE49-F238E27FC236}">
-                <a16:creationId xmlns:a16="http://schemas.microsoft.com/office/drawing/2014/main" id="{30E8105A-9209-F0D5-25E4-6D1B25D5B4D0}"/>
+                <a16:creationId xmlns:a16="http://schemas.microsoft.com/office/drawing/2014/main" id="{C872FFF8-6B98-CE27-7729-1B2B816E95B3}"/>
               </a:ext>
             </a:extLst>
           </p:cNvPr>
@@ -3634,7 +3653,7 @@
           <a:p>
             <a:r>
               <a:rPr lang="de-DE" dirty="0"/>
-              <a:t>Anwendung von KI</a:t>
+              <a:t>Einführung</a:t>
             </a:r>
           </a:p>
         </p:txBody>
@@ -3644,7 +3663,7 @@
           <p:cNvPr id="3" name="Inhaltsplatzhalter 2">
             <a:extLst>
               <a:ext uri="{FF2B5EF4-FFF2-40B4-BE49-F238E27FC236}">
-                <a16:creationId xmlns:a16="http://schemas.microsoft.com/office/drawing/2014/main" id="{15456EB9-078F-CCBA-D0A5-AFE7AFAC7717}"/>
+                <a16:creationId xmlns:a16="http://schemas.microsoft.com/office/drawing/2014/main" id="{B54EBF38-080E-867F-A5A0-DB36F2AF8975}"/>
               </a:ext>
             </a:extLst>
           </p:cNvPr>
@@ -3660,14 +3679,17 @@
           <a:bodyPr/>
           <a:lstStyle/>
           <a:p>
-            <a:endParaRPr lang="de-DE"/>
+            <a:r>
+              <a:rPr lang="de-DE" dirty="0"/>
+              <a:t>Was ist KI</a:t>
+            </a:r>
           </a:p>
         </p:txBody>
       </p:sp>
     </p:spTree>
     <p:extLst>
       <p:ext uri="{BB962C8B-B14F-4D97-AF65-F5344CB8AC3E}">
-        <p14:creationId xmlns:p14="http://schemas.microsoft.com/office/powerpoint/2010/main" val="1738631983"/>
+        <p14:creationId xmlns:p14="http://schemas.microsoft.com/office/powerpoint/2010/main" val="1998156827"/>
       </p:ext>
     </p:extLst>
   </p:cSld>
@@ -3699,6 +3721,89 @@
           <p:cNvPr id="2" name="Titel 1">
             <a:extLst>
               <a:ext uri="{FF2B5EF4-FFF2-40B4-BE49-F238E27FC236}">
+                <a16:creationId xmlns:a16="http://schemas.microsoft.com/office/drawing/2014/main" id="{30E8105A-9209-F0D5-25E4-6D1B25D5B4D0}"/>
+              </a:ext>
+            </a:extLst>
+          </p:cNvPr>
+          <p:cNvSpPr>
+            <a:spLocks noGrp="1"/>
+          </p:cNvSpPr>
+          <p:nvPr>
+            <p:ph type="title"/>
+          </p:nvPr>
+        </p:nvSpPr>
+        <p:spPr/>
+        <p:txBody>
+          <a:bodyPr/>
+          <a:lstStyle/>
+          <a:p>
+            <a:r>
+              <a:rPr lang="de-DE" dirty="0"/>
+              <a:t>Anwendung von KI</a:t>
+            </a:r>
+          </a:p>
+        </p:txBody>
+      </p:sp>
+      <p:sp>
+        <p:nvSpPr>
+          <p:cNvPr id="3" name="Inhaltsplatzhalter 2">
+            <a:extLst>
+              <a:ext uri="{FF2B5EF4-FFF2-40B4-BE49-F238E27FC236}">
+                <a16:creationId xmlns:a16="http://schemas.microsoft.com/office/drawing/2014/main" id="{15456EB9-078F-CCBA-D0A5-AFE7AFAC7717}"/>
+              </a:ext>
+            </a:extLst>
+          </p:cNvPr>
+          <p:cNvSpPr>
+            <a:spLocks noGrp="1"/>
+          </p:cNvSpPr>
+          <p:nvPr>
+            <p:ph idx="1"/>
+          </p:nvPr>
+        </p:nvSpPr>
+        <p:spPr/>
+        <p:txBody>
+          <a:bodyPr/>
+          <a:lstStyle/>
+          <a:p>
+            <a:endParaRPr lang="de-DE"/>
+          </a:p>
+        </p:txBody>
+      </p:sp>
+    </p:spTree>
+    <p:extLst>
+      <p:ext uri="{BB962C8B-B14F-4D97-AF65-F5344CB8AC3E}">
+        <p14:creationId xmlns:p14="http://schemas.microsoft.com/office/powerpoint/2010/main" val="1738631983"/>
+      </p:ext>
+    </p:extLst>
+  </p:cSld>
+  <p:clrMapOvr>
+    <a:masterClrMapping/>
+  </p:clrMapOvr>
+</p:sld>
+</file>
+
+<file path=ppt/slides/slide6.xml><?xml version="1.0" encoding="utf-8"?>
+<p:sld xmlns:a="http://schemas.openxmlformats.org/drawingml/2006/main" xmlns:r="http://schemas.openxmlformats.org/officeDocument/2006/relationships" xmlns:p="http://schemas.openxmlformats.org/presentationml/2006/main">
+  <p:cSld>
+    <p:spTree>
+      <p:nvGrpSpPr>
+        <p:cNvPr id="1" name=""/>
+        <p:cNvGrpSpPr/>
+        <p:nvPr/>
+      </p:nvGrpSpPr>
+      <p:grpSpPr>
+        <a:xfrm>
+          <a:off x="0" y="0"/>
+          <a:ext cx="0" cy="0"/>
+          <a:chOff x="0" y="0"/>
+          <a:chExt cx="0" cy="0"/>
+        </a:xfrm>
+      </p:grpSpPr>
+      <p:sp>
+        <p:nvSpPr>
+          <p:cNvPr id="2" name="Titel 1">
+            <a:extLst>
+              <a:ext uri="{FF2B5EF4-FFF2-40B4-BE49-F238E27FC236}">
                 <a16:creationId xmlns:a16="http://schemas.microsoft.com/office/drawing/2014/main" id="{4DAB691A-F6F4-5AD4-80DB-4ACE442EEA51}"/>
               </a:ext>
             </a:extLst>
@@ -3760,7 +3865,7 @@
 </p:sld>
 </file>
 
-<file path=ppt/slides/slide6.xml><?xml version="1.0" encoding="utf-8"?>
+<file path=ppt/slides/slide7.xml><?xml version="1.0" encoding="utf-8"?>
 <p:sld xmlns:a="http://schemas.openxmlformats.org/drawingml/2006/main" xmlns:r="http://schemas.openxmlformats.org/officeDocument/2006/relationships" xmlns:p="http://schemas.openxmlformats.org/presentationml/2006/main">
   <p:cSld>
     <p:spTree>

--- a/AI-Presentation.pptx
+++ b/AI-Presentation.pptx
@@ -9,9 +9,11 @@
     <p:sldId id="262" r:id="rId3"/>
     <p:sldId id="257" r:id="rId4"/>
     <p:sldId id="258" r:id="rId5"/>
-    <p:sldId id="259" r:id="rId6"/>
-    <p:sldId id="260" r:id="rId7"/>
-    <p:sldId id="261" r:id="rId8"/>
+    <p:sldId id="263" r:id="rId6"/>
+    <p:sldId id="264" r:id="rId7"/>
+    <p:sldId id="259" r:id="rId8"/>
+    <p:sldId id="260" r:id="rId9"/>
+    <p:sldId id="261" r:id="rId10"/>
   </p:sldIdLst>
   <p:sldSz cx="12192000" cy="6858000"/>
   <p:notesSz cx="6858000" cy="9144000"/>
@@ -265,7 +267,7 @@
           <a:p>
             <a:fld id="{54240A7E-5AB3-4845-AC92-05FE91FE566E}" type="datetimeFigureOut">
               <a:rPr lang="de-DE" smtClean="0"/>
-              <a:t>24.01.2023</a:t>
+              <a:t>31.01.2023</a:t>
             </a:fld>
             <a:endParaRPr lang="de-DE"/>
           </a:p>
@@ -463,7 +465,7 @@
           <a:p>
             <a:fld id="{54240A7E-5AB3-4845-AC92-05FE91FE566E}" type="datetimeFigureOut">
               <a:rPr lang="de-DE" smtClean="0"/>
-              <a:t>24.01.2023</a:t>
+              <a:t>31.01.2023</a:t>
             </a:fld>
             <a:endParaRPr lang="de-DE"/>
           </a:p>
@@ -671,7 +673,7 @@
           <a:p>
             <a:fld id="{54240A7E-5AB3-4845-AC92-05FE91FE566E}" type="datetimeFigureOut">
               <a:rPr lang="de-DE" smtClean="0"/>
-              <a:t>24.01.2023</a:t>
+              <a:t>31.01.2023</a:t>
             </a:fld>
             <a:endParaRPr lang="de-DE"/>
           </a:p>
@@ -869,7 +871,7 @@
           <a:p>
             <a:fld id="{54240A7E-5AB3-4845-AC92-05FE91FE566E}" type="datetimeFigureOut">
               <a:rPr lang="de-DE" smtClean="0"/>
-              <a:t>24.01.2023</a:t>
+              <a:t>31.01.2023</a:t>
             </a:fld>
             <a:endParaRPr lang="de-DE"/>
           </a:p>
@@ -1144,7 +1146,7 @@
           <a:p>
             <a:fld id="{54240A7E-5AB3-4845-AC92-05FE91FE566E}" type="datetimeFigureOut">
               <a:rPr lang="de-DE" smtClean="0"/>
-              <a:t>24.01.2023</a:t>
+              <a:t>31.01.2023</a:t>
             </a:fld>
             <a:endParaRPr lang="de-DE"/>
           </a:p>
@@ -1409,7 +1411,7 @@
           <a:p>
             <a:fld id="{54240A7E-5AB3-4845-AC92-05FE91FE566E}" type="datetimeFigureOut">
               <a:rPr lang="de-DE" smtClean="0"/>
-              <a:t>24.01.2023</a:t>
+              <a:t>31.01.2023</a:t>
             </a:fld>
             <a:endParaRPr lang="de-DE"/>
           </a:p>
@@ -1821,7 +1823,7 @@
           <a:p>
             <a:fld id="{54240A7E-5AB3-4845-AC92-05FE91FE566E}" type="datetimeFigureOut">
               <a:rPr lang="de-DE" smtClean="0"/>
-              <a:t>24.01.2023</a:t>
+              <a:t>31.01.2023</a:t>
             </a:fld>
             <a:endParaRPr lang="de-DE"/>
           </a:p>
@@ -1962,7 +1964,7 @@
           <a:p>
             <a:fld id="{54240A7E-5AB3-4845-AC92-05FE91FE566E}" type="datetimeFigureOut">
               <a:rPr lang="de-DE" smtClean="0"/>
-              <a:t>24.01.2023</a:t>
+              <a:t>31.01.2023</a:t>
             </a:fld>
             <a:endParaRPr lang="de-DE"/>
           </a:p>
@@ -2075,7 +2077,7 @@
           <a:p>
             <a:fld id="{54240A7E-5AB3-4845-AC92-05FE91FE566E}" type="datetimeFigureOut">
               <a:rPr lang="de-DE" smtClean="0"/>
-              <a:t>24.01.2023</a:t>
+              <a:t>31.01.2023</a:t>
             </a:fld>
             <a:endParaRPr lang="de-DE"/>
           </a:p>
@@ -2386,7 +2388,7 @@
           <a:p>
             <a:fld id="{54240A7E-5AB3-4845-AC92-05FE91FE566E}" type="datetimeFigureOut">
               <a:rPr lang="de-DE" smtClean="0"/>
-              <a:t>24.01.2023</a:t>
+              <a:t>31.01.2023</a:t>
             </a:fld>
             <a:endParaRPr lang="de-DE"/>
           </a:p>
@@ -2674,7 +2676,7 @@
           <a:p>
             <a:fld id="{54240A7E-5AB3-4845-AC92-05FE91FE566E}" type="datetimeFigureOut">
               <a:rPr lang="de-DE" smtClean="0"/>
-              <a:t>24.01.2023</a:t>
+              <a:t>31.01.2023</a:t>
             </a:fld>
             <a:endParaRPr lang="de-DE"/>
           </a:p>
@@ -2915,7 +2917,7 @@
           <a:p>
             <a:fld id="{54240A7E-5AB3-4845-AC92-05FE91FE566E}" type="datetimeFigureOut">
               <a:rPr lang="de-DE" smtClean="0"/>
-              <a:t>24.01.2023</a:t>
+              <a:t>31.01.2023</a:t>
             </a:fld>
             <a:endParaRPr lang="de-DE"/>
           </a:p>
@@ -3653,7 +3655,7 @@
           <a:p>
             <a:r>
               <a:rPr lang="de-DE" dirty="0"/>
-              <a:t>Einführung</a:t>
+              <a:t>Was ist KI</a:t>
             </a:r>
           </a:p>
         </p:txBody>
@@ -3681,7 +3683,19 @@
           <a:p>
             <a:r>
               <a:rPr lang="de-DE" dirty="0"/>
-              <a:t>Was ist KI</a:t>
+              <a:t>Teilgebiet der Informatik</a:t>
+            </a:r>
+          </a:p>
+          <a:p>
+            <a:r>
+              <a:rPr lang="de-DE" dirty="0"/>
+              <a:t>Entscheidungsstrukturen des Menschen nachbilden</a:t>
+            </a:r>
+          </a:p>
+          <a:p>
+            <a:r>
+              <a:rPr lang="de-DE" dirty="0"/>
+              <a:t>Eigenständige Problemlösung</a:t>
             </a:r>
           </a:p>
         </p:txBody>
@@ -3721,7 +3735,7 @@
           <p:cNvPr id="2" name="Titel 1">
             <a:extLst>
               <a:ext uri="{FF2B5EF4-FFF2-40B4-BE49-F238E27FC236}">
-                <a16:creationId xmlns:a16="http://schemas.microsoft.com/office/drawing/2014/main" id="{30E8105A-9209-F0D5-25E4-6D1B25D5B4D0}"/>
+                <a16:creationId xmlns:a16="http://schemas.microsoft.com/office/drawing/2014/main" id="{80AC6451-1676-C286-0CF3-FD3460FA402A}"/>
               </a:ext>
             </a:extLst>
           </p:cNvPr>
@@ -3739,7 +3753,7 @@
           <a:p>
             <a:r>
               <a:rPr lang="de-DE" dirty="0"/>
-              <a:t>Anwendung von KI</a:t>
+              <a:t>Arten von KI-Systeme</a:t>
             </a:r>
           </a:p>
         </p:txBody>
@@ -3749,7 +3763,7 @@
           <p:cNvPr id="3" name="Inhaltsplatzhalter 2">
             <a:extLst>
               <a:ext uri="{FF2B5EF4-FFF2-40B4-BE49-F238E27FC236}">
-                <a16:creationId xmlns:a16="http://schemas.microsoft.com/office/drawing/2014/main" id="{15456EB9-078F-CCBA-D0A5-AFE7AFAC7717}"/>
+                <a16:creationId xmlns:a16="http://schemas.microsoft.com/office/drawing/2014/main" id="{EB743C53-37A3-163E-FB61-A9A0D8D8524E}"/>
               </a:ext>
             </a:extLst>
           </p:cNvPr>
@@ -3765,14 +3779,56 @@
           <a:bodyPr/>
           <a:lstStyle/>
           <a:p>
-            <a:endParaRPr lang="de-DE"/>
+            <a:r>
+              <a:rPr lang="de-DE" dirty="0"/>
+              <a:t>Maschine Learning</a:t>
+            </a:r>
+          </a:p>
+          <a:p>
+            <a:r>
+              <a:rPr lang="de-DE" dirty="0"/>
+              <a:t>Deep Learning</a:t>
+            </a:r>
+          </a:p>
+          <a:p>
+            <a:r>
+              <a:rPr lang="de-DE" dirty="0"/>
+              <a:t>Evolutionäre</a:t>
+            </a:r>
+          </a:p>
+          <a:p>
+            <a:r>
+              <a:rPr lang="de-DE" dirty="0"/>
+              <a:t>Statische</a:t>
+            </a:r>
+          </a:p>
+          <a:p>
+            <a:r>
+              <a:rPr lang="de-DE" dirty="0"/>
+              <a:t>Regelbasierte</a:t>
+            </a:r>
+          </a:p>
+          <a:p>
+            <a:r>
+              <a:rPr lang="de-DE" dirty="0"/>
+              <a:t>Bionische</a:t>
+            </a:r>
+          </a:p>
+          <a:p>
+            <a:r>
+              <a:rPr lang="de-DE" dirty="0"/>
+              <a:t>Hybrid</a:t>
+            </a:r>
+          </a:p>
+          <a:p>
+            <a:endParaRPr lang="de-DE" dirty="0"/>
           </a:p>
         </p:txBody>
       </p:sp>
     </p:spTree>
     <p:extLst>
       <p:ext uri="{BB962C8B-B14F-4D97-AF65-F5344CB8AC3E}">
-        <p14:creationId xmlns:p14="http://schemas.microsoft.com/office/powerpoint/2010/main" val="1738631983"/>
+        <p14:creationId xmlns:p14="http://schemas.microsoft.com/office/powerpoint/2010/main" val="3958454575"/>
       </p:ext>
     </p:extLst>
   </p:cSld>
@@ -3804,6 +3860,172 @@
           <p:cNvPr id="2" name="Titel 1">
             <a:extLst>
               <a:ext uri="{FF2B5EF4-FFF2-40B4-BE49-F238E27FC236}">
+                <a16:creationId xmlns:a16="http://schemas.microsoft.com/office/drawing/2014/main" id="{FA5DBCBE-7675-09D0-DBF1-27EA9EEAB6DA}"/>
+              </a:ext>
+            </a:extLst>
+          </p:cNvPr>
+          <p:cNvSpPr>
+            <a:spLocks noGrp="1"/>
+          </p:cNvSpPr>
+          <p:nvPr>
+            <p:ph type="title"/>
+          </p:nvPr>
+        </p:nvSpPr>
+        <p:spPr/>
+        <p:txBody>
+          <a:bodyPr/>
+          <a:lstStyle/>
+          <a:p>
+            <a:r>
+              <a:rPr lang="de-DE" dirty="0"/>
+              <a:t>Wie lernt KI</a:t>
+            </a:r>
+          </a:p>
+        </p:txBody>
+      </p:sp>
+      <p:sp>
+        <p:nvSpPr>
+          <p:cNvPr id="3" name="Inhaltsplatzhalter 2">
+            <a:extLst>
+              <a:ext uri="{FF2B5EF4-FFF2-40B4-BE49-F238E27FC236}">
+                <a16:creationId xmlns:a16="http://schemas.microsoft.com/office/drawing/2014/main" id="{DC284080-FCD9-9181-D963-530EB3D70DEB}"/>
+              </a:ext>
+            </a:extLst>
+          </p:cNvPr>
+          <p:cNvSpPr>
+            <a:spLocks noGrp="1"/>
+          </p:cNvSpPr>
+          <p:nvPr>
+            <p:ph idx="1"/>
+          </p:nvPr>
+        </p:nvSpPr>
+        <p:spPr/>
+        <p:txBody>
+          <a:bodyPr/>
+          <a:lstStyle/>
+          <a:p>
+            <a:endParaRPr lang="de-DE" dirty="0"/>
+          </a:p>
+        </p:txBody>
+      </p:sp>
+    </p:spTree>
+    <p:extLst>
+      <p:ext uri="{BB962C8B-B14F-4D97-AF65-F5344CB8AC3E}">
+        <p14:creationId xmlns:p14="http://schemas.microsoft.com/office/powerpoint/2010/main" val="1060146765"/>
+      </p:ext>
+    </p:extLst>
+  </p:cSld>
+  <p:clrMapOvr>
+    <a:masterClrMapping/>
+  </p:clrMapOvr>
+</p:sld>
+</file>
+
+<file path=ppt/slides/slide7.xml><?xml version="1.0" encoding="utf-8"?>
+<p:sld xmlns:a="http://schemas.openxmlformats.org/drawingml/2006/main" xmlns:r="http://schemas.openxmlformats.org/officeDocument/2006/relationships" xmlns:p="http://schemas.openxmlformats.org/presentationml/2006/main">
+  <p:cSld>
+    <p:spTree>
+      <p:nvGrpSpPr>
+        <p:cNvPr id="1" name=""/>
+        <p:cNvGrpSpPr/>
+        <p:nvPr/>
+      </p:nvGrpSpPr>
+      <p:grpSpPr>
+        <a:xfrm>
+          <a:off x="0" y="0"/>
+          <a:ext cx="0" cy="0"/>
+          <a:chOff x="0" y="0"/>
+          <a:chExt cx="0" cy="0"/>
+        </a:xfrm>
+      </p:grpSpPr>
+      <p:sp>
+        <p:nvSpPr>
+          <p:cNvPr id="2" name="Titel 1">
+            <a:extLst>
+              <a:ext uri="{FF2B5EF4-FFF2-40B4-BE49-F238E27FC236}">
+                <a16:creationId xmlns:a16="http://schemas.microsoft.com/office/drawing/2014/main" id="{30E8105A-9209-F0D5-25E4-6D1B25D5B4D0}"/>
+              </a:ext>
+            </a:extLst>
+          </p:cNvPr>
+          <p:cNvSpPr>
+            <a:spLocks noGrp="1"/>
+          </p:cNvSpPr>
+          <p:nvPr>
+            <p:ph type="title"/>
+          </p:nvPr>
+        </p:nvSpPr>
+        <p:spPr/>
+        <p:txBody>
+          <a:bodyPr/>
+          <a:lstStyle/>
+          <a:p>
+            <a:r>
+              <a:rPr lang="de-DE" dirty="0"/>
+              <a:t>Anwendung von KI</a:t>
+            </a:r>
+          </a:p>
+        </p:txBody>
+      </p:sp>
+      <p:sp>
+        <p:nvSpPr>
+          <p:cNvPr id="3" name="Inhaltsplatzhalter 2">
+            <a:extLst>
+              <a:ext uri="{FF2B5EF4-FFF2-40B4-BE49-F238E27FC236}">
+                <a16:creationId xmlns:a16="http://schemas.microsoft.com/office/drawing/2014/main" id="{15456EB9-078F-CCBA-D0A5-AFE7AFAC7717}"/>
+              </a:ext>
+            </a:extLst>
+          </p:cNvPr>
+          <p:cNvSpPr>
+            <a:spLocks noGrp="1"/>
+          </p:cNvSpPr>
+          <p:nvPr>
+            <p:ph idx="1"/>
+          </p:nvPr>
+        </p:nvSpPr>
+        <p:spPr/>
+        <p:txBody>
+          <a:bodyPr/>
+          <a:lstStyle/>
+          <a:p>
+            <a:endParaRPr lang="de-DE" dirty="0"/>
+          </a:p>
+        </p:txBody>
+      </p:sp>
+    </p:spTree>
+    <p:extLst>
+      <p:ext uri="{BB962C8B-B14F-4D97-AF65-F5344CB8AC3E}">
+        <p14:creationId xmlns:p14="http://schemas.microsoft.com/office/powerpoint/2010/main" val="1738631983"/>
+      </p:ext>
+    </p:extLst>
+  </p:cSld>
+  <p:clrMapOvr>
+    <a:masterClrMapping/>
+  </p:clrMapOvr>
+</p:sld>
+</file>
+
+<file path=ppt/slides/slide8.xml><?xml version="1.0" encoding="utf-8"?>
+<p:sld xmlns:a="http://schemas.openxmlformats.org/drawingml/2006/main" xmlns:r="http://schemas.openxmlformats.org/officeDocument/2006/relationships" xmlns:p="http://schemas.openxmlformats.org/presentationml/2006/main">
+  <p:cSld>
+    <p:spTree>
+      <p:nvGrpSpPr>
+        <p:cNvPr id="1" name=""/>
+        <p:cNvGrpSpPr/>
+        <p:nvPr/>
+      </p:nvGrpSpPr>
+      <p:grpSpPr>
+        <a:xfrm>
+          <a:off x="0" y="0"/>
+          <a:ext cx="0" cy="0"/>
+          <a:chOff x="0" y="0"/>
+          <a:chExt cx="0" cy="0"/>
+        </a:xfrm>
+      </p:grpSpPr>
+      <p:sp>
+        <p:nvSpPr>
+          <p:cNvPr id="2" name="Titel 1">
+            <a:extLst>
+              <a:ext uri="{FF2B5EF4-FFF2-40B4-BE49-F238E27FC236}">
                 <a16:creationId xmlns:a16="http://schemas.microsoft.com/office/drawing/2014/main" id="{4DAB691A-F6F4-5AD4-80DB-4ACE442EEA51}"/>
               </a:ext>
             </a:extLst>
@@ -3865,7 +4087,7 @@
 </p:sld>
 </file>
 
-<file path=ppt/slides/slide7.xml><?xml version="1.0" encoding="utf-8"?>
+<file path=ppt/slides/slide9.xml><?xml version="1.0" encoding="utf-8"?>
 <p:sld xmlns:a="http://schemas.openxmlformats.org/drawingml/2006/main" xmlns:r="http://schemas.openxmlformats.org/officeDocument/2006/relationships" xmlns:p="http://schemas.openxmlformats.org/presentationml/2006/main">
   <p:cSld>
     <p:spTree>

--- a/AI-Presentation.pptx
+++ b/AI-Presentation.pptx
@@ -11,9 +11,12 @@
     <p:sldId id="258" r:id="rId5"/>
     <p:sldId id="263" r:id="rId6"/>
     <p:sldId id="264" r:id="rId7"/>
-    <p:sldId id="259" r:id="rId8"/>
-    <p:sldId id="260" r:id="rId9"/>
-    <p:sldId id="261" r:id="rId10"/>
+    <p:sldId id="265" r:id="rId8"/>
+    <p:sldId id="266" r:id="rId9"/>
+    <p:sldId id="267" r:id="rId10"/>
+    <p:sldId id="259" r:id="rId11"/>
+    <p:sldId id="260" r:id="rId12"/>
+    <p:sldId id="261" r:id="rId13"/>
   </p:sldIdLst>
   <p:sldSz cx="12192000" cy="6858000"/>
   <p:notesSz cx="6858000" cy="9144000"/>
@@ -267,7 +270,7 @@
           <a:p>
             <a:fld id="{54240A7E-5AB3-4845-AC92-05FE91FE566E}" type="datetimeFigureOut">
               <a:rPr lang="de-DE" smtClean="0"/>
-              <a:t>31.01.2023</a:t>
+              <a:t>02.02.2023</a:t>
             </a:fld>
             <a:endParaRPr lang="de-DE"/>
           </a:p>
@@ -465,7 +468,7 @@
           <a:p>
             <a:fld id="{54240A7E-5AB3-4845-AC92-05FE91FE566E}" type="datetimeFigureOut">
               <a:rPr lang="de-DE" smtClean="0"/>
-              <a:t>31.01.2023</a:t>
+              <a:t>02.02.2023</a:t>
             </a:fld>
             <a:endParaRPr lang="de-DE"/>
           </a:p>
@@ -673,7 +676,7 @@
           <a:p>
             <a:fld id="{54240A7E-5AB3-4845-AC92-05FE91FE566E}" type="datetimeFigureOut">
               <a:rPr lang="de-DE" smtClean="0"/>
-              <a:t>31.01.2023</a:t>
+              <a:t>02.02.2023</a:t>
             </a:fld>
             <a:endParaRPr lang="de-DE"/>
           </a:p>
@@ -871,7 +874,7 @@
           <a:p>
             <a:fld id="{54240A7E-5AB3-4845-AC92-05FE91FE566E}" type="datetimeFigureOut">
               <a:rPr lang="de-DE" smtClean="0"/>
-              <a:t>31.01.2023</a:t>
+              <a:t>02.02.2023</a:t>
             </a:fld>
             <a:endParaRPr lang="de-DE"/>
           </a:p>
@@ -1146,7 +1149,7 @@
           <a:p>
             <a:fld id="{54240A7E-5AB3-4845-AC92-05FE91FE566E}" type="datetimeFigureOut">
               <a:rPr lang="de-DE" smtClean="0"/>
-              <a:t>31.01.2023</a:t>
+              <a:t>02.02.2023</a:t>
             </a:fld>
             <a:endParaRPr lang="de-DE"/>
           </a:p>
@@ -1411,7 +1414,7 @@
           <a:p>
             <a:fld id="{54240A7E-5AB3-4845-AC92-05FE91FE566E}" type="datetimeFigureOut">
               <a:rPr lang="de-DE" smtClean="0"/>
-              <a:t>31.01.2023</a:t>
+              <a:t>02.02.2023</a:t>
             </a:fld>
             <a:endParaRPr lang="de-DE"/>
           </a:p>
@@ -1823,7 +1826,7 @@
           <a:p>
             <a:fld id="{54240A7E-5AB3-4845-AC92-05FE91FE566E}" type="datetimeFigureOut">
               <a:rPr lang="de-DE" smtClean="0"/>
-              <a:t>31.01.2023</a:t>
+              <a:t>02.02.2023</a:t>
             </a:fld>
             <a:endParaRPr lang="de-DE"/>
           </a:p>
@@ -1964,7 +1967,7 @@
           <a:p>
             <a:fld id="{54240A7E-5AB3-4845-AC92-05FE91FE566E}" type="datetimeFigureOut">
               <a:rPr lang="de-DE" smtClean="0"/>
-              <a:t>31.01.2023</a:t>
+              <a:t>02.02.2023</a:t>
             </a:fld>
             <a:endParaRPr lang="de-DE"/>
           </a:p>
@@ -2077,7 +2080,7 @@
           <a:p>
             <a:fld id="{54240A7E-5AB3-4845-AC92-05FE91FE566E}" type="datetimeFigureOut">
               <a:rPr lang="de-DE" smtClean="0"/>
-              <a:t>31.01.2023</a:t>
+              <a:t>02.02.2023</a:t>
             </a:fld>
             <a:endParaRPr lang="de-DE"/>
           </a:p>
@@ -2388,7 +2391,7 @@
           <a:p>
             <a:fld id="{54240A7E-5AB3-4845-AC92-05FE91FE566E}" type="datetimeFigureOut">
               <a:rPr lang="de-DE" smtClean="0"/>
-              <a:t>31.01.2023</a:t>
+              <a:t>02.02.2023</a:t>
             </a:fld>
             <a:endParaRPr lang="de-DE"/>
           </a:p>
@@ -2676,7 +2679,7 @@
           <a:p>
             <a:fld id="{54240A7E-5AB3-4845-AC92-05FE91FE566E}" type="datetimeFigureOut">
               <a:rPr lang="de-DE" smtClean="0"/>
-              <a:t>31.01.2023</a:t>
+              <a:t>02.02.2023</a:t>
             </a:fld>
             <a:endParaRPr lang="de-DE"/>
           </a:p>
@@ -2917,7 +2920,7 @@
           <a:p>
             <a:fld id="{54240A7E-5AB3-4845-AC92-05FE91FE566E}" type="datetimeFigureOut">
               <a:rPr lang="de-DE" smtClean="0"/>
-              <a:t>31.01.2023</a:t>
+              <a:t>02.02.2023</a:t>
             </a:fld>
             <a:endParaRPr lang="de-DE"/>
           </a:p>
@@ -3320,6 +3323,14 @@
 <file path=ppt/slides/slide1.xml><?xml version="1.0" encoding="utf-8"?>
 <p:sld xmlns:a="http://schemas.openxmlformats.org/drawingml/2006/main" xmlns:r="http://schemas.openxmlformats.org/officeDocument/2006/relationships" xmlns:p="http://schemas.openxmlformats.org/presentationml/2006/main">
   <p:cSld>
+    <p:bg>
+      <p:bgPr>
+        <a:solidFill>
+          <a:srgbClr val="000000"/>
+        </a:solidFill>
+        <a:effectLst/>
+      </p:bgPr>
+    </p:bg>
     <p:spTree>
       <p:nvGrpSpPr>
         <p:cNvPr id="1" name=""/>
@@ -3336,6 +3347,100 @@
       </p:grpSpPr>
       <p:sp>
         <p:nvSpPr>
+          <p:cNvPr id="15" name="Rectangle 8">
+            <a:extLst>
+              <a:ext uri="{FF2B5EF4-FFF2-40B4-BE49-F238E27FC236}">
+                <a16:creationId xmlns:a16="http://schemas.microsoft.com/office/drawing/2014/main" id="{71B2258F-86CA-4D4D-8270-BC05FCDEBFB3}"/>
+              </a:ext>
+              <a:ext uri="{C183D7F6-B498-43B3-948B-1728B52AA6E4}">
+                <adec:decorative xmlns:adec="http://schemas.microsoft.com/office/drawing/2017/decorative" val="1"/>
+              </a:ext>
+            </a:extLst>
+          </p:cNvPr>
+          <p:cNvSpPr>
+            <a:spLocks noGrp="1" noRot="1" noChangeAspect="1" noMove="1" noResize="1" noEditPoints="1" noAdjustHandles="1" noChangeArrowheads="1" noChangeShapeType="1" noTextEdit="1"/>
+          </p:cNvSpPr>
+          <p:nvPr>
+            <p:extLst>
+              <p:ext uri="{386F3935-93C4-4BCD-93E2-E3B085C9AB24}">
+                <p16:designElem xmlns:p16="http://schemas.microsoft.com/office/powerpoint/2015/main" val="1"/>
+              </p:ext>
+            </p:extLst>
+          </p:nvPr>
+        </p:nvSpPr>
+        <p:spPr>
+          <a:xfrm>
+            <a:off x="0" y="0"/>
+            <a:ext cx="12192000" cy="6857999"/>
+          </a:xfrm>
+          <a:prstGeom prst="rect">
+            <a:avLst/>
+          </a:prstGeom>
+          <a:solidFill>
+            <a:srgbClr val="000000"/>
+          </a:solidFill>
+          <a:ln>
+            <a:noFill/>
+          </a:ln>
+        </p:spPr>
+        <p:style>
+          <a:lnRef idx="2">
+            <a:schemeClr val="accent1">
+              <a:shade val="50000"/>
+            </a:schemeClr>
+          </a:lnRef>
+          <a:fillRef idx="1">
+            <a:schemeClr val="accent1"/>
+          </a:fillRef>
+          <a:effectRef idx="0">
+            <a:schemeClr val="accent1"/>
+          </a:effectRef>
+          <a:fontRef idx="minor">
+            <a:schemeClr val="lt1"/>
+          </a:fontRef>
+        </p:style>
+        <p:txBody>
+          <a:bodyPr rtlCol="0" anchor="ctr"/>
+          <a:lstStyle/>
+          <a:p>
+            <a:pPr algn="ctr"/>
+            <a:endParaRPr lang="en-US"/>
+          </a:p>
+        </p:txBody>
+      </p:sp>
+      <p:pic>
+        <p:nvPicPr>
+          <p:cNvPr id="16" name="Picture 4" descr="3D art of a person">
+            <a:extLst>
+              <a:ext uri="{FF2B5EF4-FFF2-40B4-BE49-F238E27FC236}">
+                <a16:creationId xmlns:a16="http://schemas.microsoft.com/office/drawing/2014/main" id="{C3ECB291-400D-95E5-B850-A93568BFD159}"/>
+              </a:ext>
+            </a:extLst>
+          </p:cNvPr>
+          <p:cNvPicPr>
+            <a:picLocks noChangeAspect="1"/>
+          </p:cNvPicPr>
+          <p:nvPr/>
+        </p:nvPicPr>
+        <p:blipFill rotWithShape="1">
+          <a:blip r:embed="rId2">
+            <a:alphaModFix amt="50000"/>
+          </a:blip>
+          <a:srcRect t="17606" b="26144"/>
+          <a:stretch/>
+        </p:blipFill>
+        <p:spPr>
+          <a:xfrm>
+            <a:off x="20" y="1"/>
+            <a:ext cx="12191980" cy="6857999"/>
+          </a:xfrm>
+          <a:prstGeom prst="rect">
+            <a:avLst/>
+          </a:prstGeom>
+        </p:spPr>
+      </p:pic>
+      <p:sp>
+        <p:nvSpPr>
           <p:cNvPr id="2" name="Titel 1">
             <a:extLst>
               <a:ext uri="{FF2B5EF4-FFF2-40B4-BE49-F238E27FC236}">
@@ -3350,25 +3455,48 @@
             <p:ph type="ctrTitle"/>
           </p:nvPr>
         </p:nvSpPr>
-        <p:spPr/>
-        <p:txBody>
-          <a:bodyPr/>
-          <a:lstStyle/>
-          <a:p>
-            <a:r>
-              <a:rPr lang="de-DE" b="1" dirty="0" err="1"/>
+        <p:spPr>
+          <a:xfrm>
+            <a:off x="1524000" y="1122362"/>
+            <a:ext cx="9144000" cy="2900518"/>
+          </a:xfrm>
+        </p:spPr>
+        <p:txBody>
+          <a:bodyPr>
+            <a:normAutofit/>
+          </a:bodyPr>
+          <a:lstStyle/>
+          <a:p>
+            <a:r>
+              <a:rPr lang="de-DE" b="1" dirty="0" err="1">
+                <a:solidFill>
+                  <a:srgbClr val="FFFFFF"/>
+                </a:solidFill>
+              </a:rPr>
               <a:t>Artificial</a:t>
             </a:r>
             <a:r>
-              <a:rPr lang="de-DE" b="1" dirty="0"/>
+              <a:rPr lang="de-DE" b="1" dirty="0">
+                <a:solidFill>
+                  <a:srgbClr val="FFFFFF"/>
+                </a:solidFill>
+              </a:rPr>
               <a:t> </a:t>
             </a:r>
             <a:r>
-              <a:rPr lang="de-DE" b="1" dirty="0" err="1"/>
+              <a:rPr lang="de-DE" b="1" dirty="0" err="1">
+                <a:solidFill>
+                  <a:srgbClr val="FFFFFF"/>
+                </a:solidFill>
+              </a:rPr>
               <a:t>intelligence</a:t>
             </a:r>
             <a:r>
-              <a:rPr lang="de-DE" b="1" dirty="0"/>
+              <a:rPr lang="de-DE" b="1" dirty="0">
+                <a:solidFill>
+                  <a:srgbClr val="FFFFFF"/>
+                </a:solidFill>
+              </a:rPr>
               <a:t> (AI)</a:t>
             </a:r>
           </a:p>
@@ -3390,12 +3518,23 @@
             <p:ph type="subTitle" idx="1"/>
           </p:nvPr>
         </p:nvSpPr>
-        <p:spPr/>
-        <p:txBody>
-          <a:bodyPr/>
-          <a:lstStyle/>
-          <a:p>
-            <a:endParaRPr lang="de-DE"/>
+        <p:spPr>
+          <a:xfrm>
+            <a:off x="1524000" y="4159404"/>
+            <a:ext cx="9144000" cy="1098395"/>
+          </a:xfrm>
+        </p:spPr>
+        <p:txBody>
+          <a:bodyPr>
+            <a:normAutofit/>
+          </a:bodyPr>
+          <a:lstStyle/>
+          <a:p>
+            <a:endParaRPr lang="de-DE">
+              <a:solidFill>
+                <a:srgbClr val="FFFFFF"/>
+              </a:solidFill>
+            </a:endParaRPr>
           </a:p>
         </p:txBody>
       </p:sp>
@@ -3403,6 +3542,255 @@
     <p:extLst>
       <p:ext uri="{BB962C8B-B14F-4D97-AF65-F5344CB8AC3E}">
         <p14:creationId xmlns:p14="http://schemas.microsoft.com/office/powerpoint/2010/main" val="2550815980"/>
+      </p:ext>
+    </p:extLst>
+  </p:cSld>
+  <p:clrMapOvr>
+    <a:overrideClrMapping bg1="dk1" tx1="lt1" bg2="dk2" tx2="lt2" accent1="accent1" accent2="accent2" accent3="accent3" accent4="accent4" accent5="accent5" accent6="accent6" hlink="hlink" folHlink="folHlink"/>
+  </p:clrMapOvr>
+</p:sld>
+</file>
+
+<file path=ppt/slides/slide10.xml><?xml version="1.0" encoding="utf-8"?>
+<p:sld xmlns:a="http://schemas.openxmlformats.org/drawingml/2006/main" xmlns:r="http://schemas.openxmlformats.org/officeDocument/2006/relationships" xmlns:p="http://schemas.openxmlformats.org/presentationml/2006/main">
+  <p:cSld>
+    <p:spTree>
+      <p:nvGrpSpPr>
+        <p:cNvPr id="1" name=""/>
+        <p:cNvGrpSpPr/>
+        <p:nvPr/>
+      </p:nvGrpSpPr>
+      <p:grpSpPr>
+        <a:xfrm>
+          <a:off x="0" y="0"/>
+          <a:ext cx="0" cy="0"/>
+          <a:chOff x="0" y="0"/>
+          <a:chExt cx="0" cy="0"/>
+        </a:xfrm>
+      </p:grpSpPr>
+      <p:sp>
+        <p:nvSpPr>
+          <p:cNvPr id="2" name="Titel 1">
+            <a:extLst>
+              <a:ext uri="{FF2B5EF4-FFF2-40B4-BE49-F238E27FC236}">
+                <a16:creationId xmlns:a16="http://schemas.microsoft.com/office/drawing/2014/main" id="{30E8105A-9209-F0D5-25E4-6D1B25D5B4D0}"/>
+              </a:ext>
+            </a:extLst>
+          </p:cNvPr>
+          <p:cNvSpPr>
+            <a:spLocks noGrp="1"/>
+          </p:cNvSpPr>
+          <p:nvPr>
+            <p:ph type="title"/>
+          </p:nvPr>
+        </p:nvSpPr>
+        <p:spPr/>
+        <p:txBody>
+          <a:bodyPr/>
+          <a:lstStyle/>
+          <a:p>
+            <a:r>
+              <a:rPr lang="de-DE" dirty="0"/>
+              <a:t>Anwendung von KI</a:t>
+            </a:r>
+          </a:p>
+        </p:txBody>
+      </p:sp>
+      <p:sp>
+        <p:nvSpPr>
+          <p:cNvPr id="3" name="Inhaltsplatzhalter 2">
+            <a:extLst>
+              <a:ext uri="{FF2B5EF4-FFF2-40B4-BE49-F238E27FC236}">
+                <a16:creationId xmlns:a16="http://schemas.microsoft.com/office/drawing/2014/main" id="{15456EB9-078F-CCBA-D0A5-AFE7AFAC7717}"/>
+              </a:ext>
+            </a:extLst>
+          </p:cNvPr>
+          <p:cNvSpPr>
+            <a:spLocks noGrp="1"/>
+          </p:cNvSpPr>
+          <p:nvPr>
+            <p:ph idx="1"/>
+          </p:nvPr>
+        </p:nvSpPr>
+        <p:spPr/>
+        <p:txBody>
+          <a:bodyPr/>
+          <a:lstStyle/>
+          <a:p>
+            <a:endParaRPr lang="de-DE" dirty="0"/>
+          </a:p>
+        </p:txBody>
+      </p:sp>
+    </p:spTree>
+    <p:extLst>
+      <p:ext uri="{BB962C8B-B14F-4D97-AF65-F5344CB8AC3E}">
+        <p14:creationId xmlns:p14="http://schemas.microsoft.com/office/powerpoint/2010/main" val="1738631983"/>
+      </p:ext>
+    </p:extLst>
+  </p:cSld>
+  <p:clrMapOvr>
+    <a:masterClrMapping/>
+  </p:clrMapOvr>
+</p:sld>
+</file>
+
+<file path=ppt/slides/slide11.xml><?xml version="1.0" encoding="utf-8"?>
+<p:sld xmlns:a="http://schemas.openxmlformats.org/drawingml/2006/main" xmlns:r="http://schemas.openxmlformats.org/officeDocument/2006/relationships" xmlns:p="http://schemas.openxmlformats.org/presentationml/2006/main">
+  <p:cSld>
+    <p:spTree>
+      <p:nvGrpSpPr>
+        <p:cNvPr id="1" name=""/>
+        <p:cNvGrpSpPr/>
+        <p:nvPr/>
+      </p:nvGrpSpPr>
+      <p:grpSpPr>
+        <a:xfrm>
+          <a:off x="0" y="0"/>
+          <a:ext cx="0" cy="0"/>
+          <a:chOff x="0" y="0"/>
+          <a:chExt cx="0" cy="0"/>
+        </a:xfrm>
+      </p:grpSpPr>
+      <p:sp>
+        <p:nvSpPr>
+          <p:cNvPr id="2" name="Titel 1">
+            <a:extLst>
+              <a:ext uri="{FF2B5EF4-FFF2-40B4-BE49-F238E27FC236}">
+                <a16:creationId xmlns:a16="http://schemas.microsoft.com/office/drawing/2014/main" id="{4DAB691A-F6F4-5AD4-80DB-4ACE442EEA51}"/>
+              </a:ext>
+            </a:extLst>
+          </p:cNvPr>
+          <p:cNvSpPr>
+            <a:spLocks noGrp="1"/>
+          </p:cNvSpPr>
+          <p:nvPr>
+            <p:ph type="title"/>
+          </p:nvPr>
+        </p:nvSpPr>
+        <p:spPr/>
+        <p:txBody>
+          <a:bodyPr/>
+          <a:lstStyle/>
+          <a:p>
+            <a:r>
+              <a:rPr lang="de-DE" dirty="0"/>
+              <a:t>Hilfreiche Programme / Anwendungen</a:t>
+            </a:r>
+          </a:p>
+        </p:txBody>
+      </p:sp>
+      <p:sp>
+        <p:nvSpPr>
+          <p:cNvPr id="3" name="Inhaltsplatzhalter 2">
+            <a:extLst>
+              <a:ext uri="{FF2B5EF4-FFF2-40B4-BE49-F238E27FC236}">
+                <a16:creationId xmlns:a16="http://schemas.microsoft.com/office/drawing/2014/main" id="{12D48877-06B9-B18A-DE71-8F51E0387301}"/>
+              </a:ext>
+            </a:extLst>
+          </p:cNvPr>
+          <p:cNvSpPr>
+            <a:spLocks noGrp="1"/>
+          </p:cNvSpPr>
+          <p:nvPr>
+            <p:ph idx="1"/>
+          </p:nvPr>
+        </p:nvSpPr>
+        <p:spPr/>
+        <p:txBody>
+          <a:bodyPr/>
+          <a:lstStyle/>
+          <a:p>
+            <a:endParaRPr lang="de-DE"/>
+          </a:p>
+        </p:txBody>
+      </p:sp>
+    </p:spTree>
+    <p:extLst>
+      <p:ext uri="{BB962C8B-B14F-4D97-AF65-F5344CB8AC3E}">
+        <p14:creationId xmlns:p14="http://schemas.microsoft.com/office/powerpoint/2010/main" val="2182540319"/>
+      </p:ext>
+    </p:extLst>
+  </p:cSld>
+  <p:clrMapOvr>
+    <a:masterClrMapping/>
+  </p:clrMapOvr>
+</p:sld>
+</file>
+
+<file path=ppt/slides/slide12.xml><?xml version="1.0" encoding="utf-8"?>
+<p:sld xmlns:a="http://schemas.openxmlformats.org/drawingml/2006/main" xmlns:r="http://schemas.openxmlformats.org/officeDocument/2006/relationships" xmlns:p="http://schemas.openxmlformats.org/presentationml/2006/main">
+  <p:cSld>
+    <p:spTree>
+      <p:nvGrpSpPr>
+        <p:cNvPr id="1" name=""/>
+        <p:cNvGrpSpPr/>
+        <p:nvPr/>
+      </p:nvGrpSpPr>
+      <p:grpSpPr>
+        <a:xfrm>
+          <a:off x="0" y="0"/>
+          <a:ext cx="0" cy="0"/>
+          <a:chOff x="0" y="0"/>
+          <a:chExt cx="0" cy="0"/>
+        </a:xfrm>
+      </p:grpSpPr>
+      <p:sp>
+        <p:nvSpPr>
+          <p:cNvPr id="2" name="Titel 1">
+            <a:extLst>
+              <a:ext uri="{FF2B5EF4-FFF2-40B4-BE49-F238E27FC236}">
+                <a16:creationId xmlns:a16="http://schemas.microsoft.com/office/drawing/2014/main" id="{E8B432B6-F3C4-A93D-B8C1-48C026EA75F5}"/>
+              </a:ext>
+            </a:extLst>
+          </p:cNvPr>
+          <p:cNvSpPr>
+            <a:spLocks noGrp="1"/>
+          </p:cNvSpPr>
+          <p:nvPr>
+            <p:ph type="title"/>
+          </p:nvPr>
+        </p:nvSpPr>
+        <p:spPr/>
+        <p:txBody>
+          <a:bodyPr/>
+          <a:lstStyle/>
+          <a:p>
+            <a:r>
+              <a:rPr lang="de-DE" dirty="0"/>
+              <a:t>Schluss</a:t>
+            </a:r>
+          </a:p>
+        </p:txBody>
+      </p:sp>
+      <p:sp>
+        <p:nvSpPr>
+          <p:cNvPr id="3" name="Inhaltsplatzhalter 2">
+            <a:extLst>
+              <a:ext uri="{FF2B5EF4-FFF2-40B4-BE49-F238E27FC236}">
+                <a16:creationId xmlns:a16="http://schemas.microsoft.com/office/drawing/2014/main" id="{34F29082-1F80-EF70-05B3-9B13327CED38}"/>
+              </a:ext>
+            </a:extLst>
+          </p:cNvPr>
+          <p:cNvSpPr>
+            <a:spLocks noGrp="1"/>
+          </p:cNvSpPr>
+          <p:nvPr>
+            <p:ph idx="1"/>
+          </p:nvPr>
+        </p:nvSpPr>
+        <p:spPr/>
+        <p:txBody>
+          <a:bodyPr/>
+          <a:lstStyle/>
+          <a:p>
+            <a:endParaRPr lang="de-DE"/>
+          </a:p>
+        </p:txBody>
+      </p:sp>
+    </p:spTree>
+    <p:extLst>
+      <p:ext uri="{BB962C8B-B14F-4D97-AF65-F5344CB8AC3E}">
+        <p14:creationId xmlns:p14="http://schemas.microsoft.com/office/powerpoint/2010/main" val="3953310558"/>
       </p:ext>
     </p:extLst>
   </p:cSld>
@@ -3574,12 +3962,35 @@
         </p:nvSpPr>
         <p:spPr/>
         <p:txBody>
-          <a:bodyPr/>
+          <a:bodyPr>
+            <a:normAutofit fontScale="92500" lnSpcReduction="10000"/>
+          </a:bodyPr>
           <a:lstStyle/>
           <a:p>
             <a:r>
               <a:rPr lang="de-DE" dirty="0"/>
-              <a:t>Einführung</a:t>
+              <a:t>Grundlagen</a:t>
+            </a:r>
+          </a:p>
+          <a:p>
+            <a:pPr lvl="1"/>
+            <a:r>
+              <a:rPr lang="de-DE" dirty="0"/>
+              <a:t>Was ist KI</a:t>
+            </a:r>
+          </a:p>
+          <a:p>
+            <a:pPr lvl="1"/>
+            <a:r>
+              <a:rPr lang="de-DE" dirty="0"/>
+              <a:t>Arten von KI-Systemen</a:t>
+            </a:r>
+          </a:p>
+          <a:p>
+            <a:pPr lvl="1"/>
+            <a:r>
+              <a:rPr lang="de-DE" dirty="0"/>
+              <a:t>Turing Test</a:t>
             </a:r>
           </a:p>
           <a:p>
@@ -3587,6 +3998,82 @@
               <a:rPr lang="de-DE" dirty="0"/>
               <a:t>Anwendung von KI</a:t>
             </a:r>
+          </a:p>
+          <a:p>
+            <a:pPr marL="742950" lvl="1" indent="-285750">
+              <a:lnSpc>
+                <a:spcPct val="150000"/>
+              </a:lnSpc>
+              <a:spcAft>
+                <a:spcPts val="800"/>
+              </a:spcAft>
+              <a:buFont typeface="Symbol" panose="05050102010706020507" pitchFamily="18" charset="2"/>
+              <a:buChar char=""/>
+            </a:pPr>
+            <a:r>
+              <a:rPr lang="de-DE" sz="1800" dirty="0">
+                <a:effectLst/>
+                <a:latin typeface="Calibri" panose="020F0502020204030204" pitchFamily="34" charset="0"/>
+                <a:ea typeface="Times New Roman" panose="02020603050405020304" pitchFamily="18" charset="0"/>
+                <a:cs typeface="Calibri" panose="020F0502020204030204" pitchFamily="34" charset="0"/>
+              </a:rPr>
+              <a:t>Bereits heute im Alltag *</a:t>
+            </a:r>
+            <a:endParaRPr lang="de-DE" sz="1800" dirty="0">
+              <a:effectLst/>
+              <a:latin typeface="Calibri" panose="020F0502020204030204" pitchFamily="34" charset="0"/>
+              <a:ea typeface="Calibri" panose="020F0502020204030204" pitchFamily="34" charset="0"/>
+              <a:cs typeface="Times New Roman" panose="02020603050405020304" pitchFamily="18" charset="0"/>
+            </a:endParaRPr>
+          </a:p>
+          <a:p>
+            <a:pPr marL="742950" lvl="1" indent="-285750">
+              <a:lnSpc>
+                <a:spcPct val="107000"/>
+              </a:lnSpc>
+              <a:spcAft>
+                <a:spcPts val="800"/>
+              </a:spcAft>
+              <a:buFont typeface="Symbol" panose="05050102010706020507" pitchFamily="18" charset="2"/>
+              <a:buChar char=""/>
+            </a:pPr>
+            <a:r>
+              <a:rPr lang="de-DE" sz="1800" dirty="0">
+                <a:effectLst/>
+                <a:latin typeface="Calibri" panose="020F0502020204030204" pitchFamily="34" charset="0"/>
+                <a:ea typeface="Times New Roman" panose="02020603050405020304" pitchFamily="18" charset="0"/>
+                <a:cs typeface="Calibri" panose="020F0502020204030204" pitchFamily="34" charset="0"/>
+              </a:rPr>
+              <a:t>KI in der Industrie</a:t>
+            </a:r>
+            <a:endParaRPr lang="de-DE" sz="1800" dirty="0">
+              <a:effectLst/>
+              <a:latin typeface="Calibri" panose="020F0502020204030204" pitchFamily="34" charset="0"/>
+              <a:ea typeface="Calibri" panose="020F0502020204030204" pitchFamily="34" charset="0"/>
+              <a:cs typeface="Times New Roman" panose="02020603050405020304" pitchFamily="18" charset="0"/>
+            </a:endParaRPr>
+          </a:p>
+          <a:p>
+            <a:pPr marL="742950" lvl="1" indent="-285750">
+              <a:lnSpc>
+                <a:spcPct val="107000"/>
+              </a:lnSpc>
+              <a:spcAft>
+                <a:spcPts val="800"/>
+              </a:spcAft>
+              <a:buFont typeface="Symbol" panose="05050102010706020507" pitchFamily="18" charset="2"/>
+              <a:buChar char=""/>
+            </a:pPr>
+            <a:r>
+              <a:rPr lang="de-DE" sz="1800" dirty="0">
+                <a:effectLst/>
+                <a:latin typeface="Calibri" panose="020F0502020204030204" pitchFamily="34" charset="0"/>
+                <a:ea typeface="Times New Roman" panose="02020603050405020304" pitchFamily="18" charset="0"/>
+                <a:cs typeface="Calibri" panose="020F0502020204030204" pitchFamily="34" charset="0"/>
+              </a:rPr>
+              <a:t>Sonstige Anwendungen</a:t>
+            </a:r>
+            <a:endParaRPr lang="de-DE" dirty="0"/>
           </a:p>
           <a:p>
             <a:r>
@@ -3655,7 +4142,7 @@
           <a:p>
             <a:r>
               <a:rPr lang="de-DE" dirty="0"/>
-              <a:t>Was ist KI</a:t>
+              <a:t>Grundlagen</a:t>
             </a:r>
           </a:p>
         </p:txBody>
@@ -3680,6 +4167,18 @@
         <p:txBody>
           <a:bodyPr/>
           <a:lstStyle/>
+          <a:p>
+            <a:pPr marL="0" indent="0">
+              <a:buNone/>
+            </a:pPr>
+            <a:r>
+              <a:rPr lang="de-DE" b="1" dirty="0"/>
+              <a:t>Was ist KI?</a:t>
+            </a:r>
+          </a:p>
+          <a:p>
+            <a:endParaRPr lang="de-DE" dirty="0"/>
+          </a:p>
           <a:p>
             <a:r>
               <a:rPr lang="de-DE" dirty="0"/>
@@ -3697,6 +4196,17 @@
               <a:rPr lang="de-DE" dirty="0"/>
               <a:t>Eigenständige Problemlösung</a:t>
             </a:r>
+          </a:p>
+          <a:p>
+            <a:r>
+              <a:rPr lang="de-DE" dirty="0">
+                <a:effectLst/>
+                <a:latin typeface="Calibri" panose="020F0502020204030204" pitchFamily="34" charset="0"/>
+                <a:ea typeface="Calibri" panose="020F0502020204030204" pitchFamily="34" charset="0"/>
+              </a:rPr>
+              <a:t>Erkennung von Mustern </a:t>
+            </a:r>
+            <a:endParaRPr lang="de-DE" sz="4000" dirty="0"/>
           </a:p>
         </p:txBody>
       </p:sp>
@@ -3780,13 +4290,13 @@
           <a:lstStyle/>
           <a:p>
             <a:r>
-              <a:rPr lang="de-DE" dirty="0"/>
+              <a:rPr lang="de-DE" b="1" dirty="0"/>
               <a:t>Maschine Learning</a:t>
             </a:r>
           </a:p>
           <a:p>
             <a:r>
-              <a:rPr lang="de-DE" dirty="0"/>
+              <a:rPr lang="de-DE" b="1" dirty="0"/>
               <a:t>Deep Learning</a:t>
             </a:r>
           </a:p>
@@ -3841,6 +4351,14 @@
 <file path=ppt/slides/slide6.xml><?xml version="1.0" encoding="utf-8"?>
 <p:sld xmlns:a="http://schemas.openxmlformats.org/drawingml/2006/main" xmlns:r="http://schemas.openxmlformats.org/officeDocument/2006/relationships" xmlns:p="http://schemas.openxmlformats.org/presentationml/2006/main">
   <p:cSld>
+    <p:bg>
+      <p:bgPr>
+        <a:solidFill>
+          <a:schemeClr val="bg1"/>
+        </a:solidFill>
+        <a:effectLst/>
+      </p:bgPr>
+    </p:bg>
     <p:spTree>
       <p:nvGrpSpPr>
         <p:cNvPr id="1" name=""/>
@@ -3857,6 +4375,244 @@
       </p:grpSpPr>
       <p:sp>
         <p:nvSpPr>
+          <p:cNvPr id="18" name="Rectangle 17">
+            <a:extLst>
+              <a:ext uri="{FF2B5EF4-FFF2-40B4-BE49-F238E27FC236}">
+                <a16:creationId xmlns:a16="http://schemas.microsoft.com/office/drawing/2014/main" id="{C7FA33FF-088D-4F16-95A2-2C64D353DEA8}"/>
+              </a:ext>
+              <a:ext uri="{C183D7F6-B498-43B3-948B-1728B52AA6E4}">
+                <adec:decorative xmlns:adec="http://schemas.microsoft.com/office/drawing/2017/decorative" val="1"/>
+              </a:ext>
+            </a:extLst>
+          </p:cNvPr>
+          <p:cNvSpPr>
+            <a:spLocks noGrp="1" noRot="1" noChangeAspect="1" noMove="1" noResize="1" noEditPoints="1" noAdjustHandles="1" noChangeArrowheads="1" noChangeShapeType="1" noTextEdit="1"/>
+          </p:cNvSpPr>
+          <p:nvPr>
+            <p:extLst>
+              <p:ext uri="{386F3935-93C4-4BCD-93E2-E3B085C9AB24}">
+                <p16:designElem xmlns:p16="http://schemas.microsoft.com/office/powerpoint/2015/main" val="1"/>
+              </p:ext>
+            </p:extLst>
+          </p:nvPr>
+        </p:nvSpPr>
+        <p:spPr>
+          <a:xfrm>
+            <a:off x="1524" y="0"/>
+            <a:ext cx="12188952" cy="6858000"/>
+          </a:xfrm>
+          <a:prstGeom prst="rect">
+            <a:avLst/>
+          </a:prstGeom>
+          <a:solidFill>
+            <a:schemeClr val="tx1"/>
+          </a:solidFill>
+          <a:ln>
+            <a:noFill/>
+          </a:ln>
+        </p:spPr>
+        <p:style>
+          <a:lnRef idx="2">
+            <a:schemeClr val="accent1">
+              <a:shade val="50000"/>
+            </a:schemeClr>
+          </a:lnRef>
+          <a:fillRef idx="1">
+            <a:schemeClr val="accent1"/>
+          </a:fillRef>
+          <a:effectRef idx="0">
+            <a:schemeClr val="accent1"/>
+          </a:effectRef>
+          <a:fontRef idx="minor">
+            <a:schemeClr val="lt1"/>
+          </a:fontRef>
+        </p:style>
+        <p:txBody>
+          <a:bodyPr rtlCol="0" anchor="ctr"/>
+          <a:lstStyle/>
+          <a:p>
+            <a:pPr algn="ctr"/>
+            <a:endParaRPr lang="en-US"/>
+          </a:p>
+        </p:txBody>
+      </p:sp>
+      <p:sp>
+        <p:nvSpPr>
+          <p:cNvPr id="20" name="Rectangle 19">
+            <a:extLst>
+              <a:ext uri="{FF2B5EF4-FFF2-40B4-BE49-F238E27FC236}">
+                <a16:creationId xmlns:a16="http://schemas.microsoft.com/office/drawing/2014/main" id="{A376EFB1-01CF-419F-ABF1-2AF02BBFCBD1}"/>
+              </a:ext>
+              <a:ext uri="{C183D7F6-B498-43B3-948B-1728B52AA6E4}">
+                <adec:decorative xmlns:adec="http://schemas.microsoft.com/office/drawing/2017/decorative" val="1"/>
+              </a:ext>
+            </a:extLst>
+          </p:cNvPr>
+          <p:cNvSpPr>
+            <a:spLocks noGrp="1" noRot="1" noChangeAspect="1" noMove="1" noResize="1" noEditPoints="1" noAdjustHandles="1" noChangeArrowheads="1" noChangeShapeType="1" noTextEdit="1"/>
+          </p:cNvSpPr>
+          <p:nvPr>
+            <p:extLst>
+              <p:ext uri="{386F3935-93C4-4BCD-93E2-E3B085C9AB24}">
+                <p16:designElem xmlns:p16="http://schemas.microsoft.com/office/powerpoint/2015/main" val="1"/>
+              </p:ext>
+            </p:extLst>
+          </p:nvPr>
+        </p:nvSpPr>
+        <p:spPr>
+          <a:xfrm>
+            <a:off x="-1" y="0"/>
+            <a:ext cx="6464595" cy="6858000"/>
+          </a:xfrm>
+          <a:prstGeom prst="rect">
+            <a:avLst/>
+          </a:prstGeom>
+          <a:solidFill>
+            <a:schemeClr val="bg1">
+              <a:alpha val="81000"/>
+            </a:schemeClr>
+          </a:solidFill>
+          <a:ln>
+            <a:noFill/>
+          </a:ln>
+        </p:spPr>
+        <p:style>
+          <a:lnRef idx="2">
+            <a:schemeClr val="accent1">
+              <a:shade val="50000"/>
+            </a:schemeClr>
+          </a:lnRef>
+          <a:fillRef idx="1">
+            <a:schemeClr val="accent1"/>
+          </a:fillRef>
+          <a:effectRef idx="0">
+            <a:schemeClr val="accent1"/>
+          </a:effectRef>
+          <a:fontRef idx="minor">
+            <a:schemeClr val="lt1"/>
+          </a:fontRef>
+        </p:style>
+        <p:txBody>
+          <a:bodyPr rtlCol="0" anchor="ctr"/>
+          <a:lstStyle/>
+          <a:p>
+            <a:pPr algn="ctr"/>
+            <a:endParaRPr lang="en-US"/>
+          </a:p>
+        </p:txBody>
+      </p:sp>
+      <p:sp>
+        <p:nvSpPr>
+          <p:cNvPr id="22" name="Freeform: Shape 21">
+            <a:extLst>
+              <a:ext uri="{FF2B5EF4-FFF2-40B4-BE49-F238E27FC236}">
+                <a16:creationId xmlns:a16="http://schemas.microsoft.com/office/drawing/2014/main" id="{FF9DEA15-78BD-4750-AA18-B9F28A6D5AB8}"/>
+              </a:ext>
+              <a:ext uri="{C183D7F6-B498-43B3-948B-1728B52AA6E4}">
+                <adec:decorative xmlns:adec="http://schemas.microsoft.com/office/drawing/2017/decorative" val="1"/>
+              </a:ext>
+            </a:extLst>
+          </p:cNvPr>
+          <p:cNvSpPr>
+            <a:spLocks noGrp="1" noRot="1" noChangeAspect="1" noMove="1" noResize="1" noEditPoints="1" noAdjustHandles="1" noChangeArrowheads="1" noChangeShapeType="1" noTextEdit="1"/>
+          </p:cNvSpPr>
+          <p:nvPr>
+            <p:extLst>
+              <p:ext uri="{386F3935-93C4-4BCD-93E2-E3B085C9AB24}">
+                <p16:designElem xmlns:p16="http://schemas.microsoft.com/office/powerpoint/2015/main" val="1"/>
+              </p:ext>
+            </p:extLst>
+          </p:nvPr>
+        </p:nvSpPr>
+        <p:spPr>
+          <a:xfrm>
+            <a:off x="-1" y="0"/>
+            <a:ext cx="4546337" cy="6858000"/>
+          </a:xfrm>
+          <a:custGeom>
+            <a:avLst/>
+            <a:gdLst>
+              <a:gd name="connsiteX0" fmla="*/ 0 w 4319042"/>
+              <a:gd name="connsiteY0" fmla="*/ 0 h 6858000"/>
+              <a:gd name="connsiteX1" fmla="*/ 1142888 w 4319042"/>
+              <a:gd name="connsiteY1" fmla="*/ 0 h 6858000"/>
+              <a:gd name="connsiteX2" fmla="*/ 4319042 w 4319042"/>
+              <a:gd name="connsiteY2" fmla="*/ 6858000 h 6858000"/>
+              <a:gd name="connsiteX3" fmla="*/ 0 w 4319042"/>
+              <a:gd name="connsiteY3" fmla="*/ 6858000 h 6858000"/>
+            </a:gdLst>
+            <a:ahLst/>
+            <a:cxnLst>
+              <a:cxn ang="0">
+                <a:pos x="connsiteX0" y="connsiteY0"/>
+              </a:cxn>
+              <a:cxn ang="0">
+                <a:pos x="connsiteX1" y="connsiteY1"/>
+              </a:cxn>
+              <a:cxn ang="0">
+                <a:pos x="connsiteX2" y="connsiteY2"/>
+              </a:cxn>
+              <a:cxn ang="0">
+                <a:pos x="connsiteX3" y="connsiteY3"/>
+              </a:cxn>
+            </a:cxnLst>
+            <a:rect l="l" t="t" r="r" b="b"/>
+            <a:pathLst>
+              <a:path w="4319042" h="6858000">
+                <a:moveTo>
+                  <a:pt x="0" y="0"/>
+                </a:moveTo>
+                <a:lnTo>
+                  <a:pt x="1142888" y="0"/>
+                </a:lnTo>
+                <a:lnTo>
+                  <a:pt x="4319042" y="6858000"/>
+                </a:lnTo>
+                <a:lnTo>
+                  <a:pt x="0" y="6858000"/>
+                </a:lnTo>
+                <a:close/>
+              </a:path>
+            </a:pathLst>
+          </a:custGeom>
+          <a:solidFill>
+            <a:schemeClr val="bg1">
+              <a:alpha val="35000"/>
+            </a:schemeClr>
+          </a:solidFill>
+          <a:ln>
+            <a:noFill/>
+          </a:ln>
+        </p:spPr>
+        <p:style>
+          <a:lnRef idx="2">
+            <a:schemeClr val="accent1">
+              <a:shade val="50000"/>
+            </a:schemeClr>
+          </a:lnRef>
+          <a:fillRef idx="1">
+            <a:schemeClr val="accent1"/>
+          </a:fillRef>
+          <a:effectRef idx="0">
+            <a:schemeClr val="accent1"/>
+          </a:effectRef>
+          <a:fontRef idx="minor">
+            <a:schemeClr val="lt1"/>
+          </a:fontRef>
+        </p:style>
+        <p:txBody>
+          <a:bodyPr wrap="square" rtlCol="0" anchor="ctr">
+            <a:noAutofit/>
+          </a:bodyPr>
+          <a:lstStyle/>
+          <a:p>
+            <a:pPr algn="ctr"/>
+            <a:endParaRPr lang="en-US"/>
+          </a:p>
+        </p:txBody>
+      </p:sp>
+      <p:sp>
+        <p:nvSpPr>
           <p:cNvPr id="2" name="Titel 1">
             <a:extLst>
               <a:ext uri="{FF2B5EF4-FFF2-40B4-BE49-F238E27FC236}">
@@ -3871,14 +4627,21 @@
             <p:ph type="title"/>
           </p:nvPr>
         </p:nvSpPr>
-        <p:spPr/>
-        <p:txBody>
-          <a:bodyPr/>
-          <a:lstStyle/>
-          <a:p>
-            <a:r>
-              <a:rPr lang="de-DE" dirty="0"/>
-              <a:t>Wie lernt KI</a:t>
+        <p:spPr>
+          <a:xfrm>
+            <a:off x="804672" y="640263"/>
+            <a:ext cx="5157216" cy="1344975"/>
+          </a:xfrm>
+        </p:spPr>
+        <p:txBody>
+          <a:bodyPr>
+            <a:normAutofit/>
+          </a:bodyPr>
+          <a:lstStyle/>
+          <a:p>
+            <a:r>
+              <a:rPr lang="de-DE" sz="4000"/>
+              <a:t>Maschine Learning</a:t>
             </a:r>
           </a:p>
         </p:txBody>
@@ -3899,15 +4662,106 @@
             <p:ph idx="1"/>
           </p:nvPr>
         </p:nvSpPr>
-        <p:spPr/>
-        <p:txBody>
-          <a:bodyPr/>
-          <a:lstStyle/>
-          <a:p>
-            <a:endParaRPr lang="de-DE" dirty="0"/>
-          </a:p>
-        </p:txBody>
-      </p:sp>
+        <p:spPr>
+          <a:xfrm>
+            <a:off x="804672" y="2121763"/>
+            <a:ext cx="5157216" cy="3773010"/>
+          </a:xfrm>
+        </p:spPr>
+        <p:txBody>
+          <a:bodyPr>
+            <a:normAutofit/>
+          </a:bodyPr>
+          <a:lstStyle/>
+          <a:p>
+            <a:pPr>
+              <a:buFont typeface="Arial" panose="020B0604020202020204" pitchFamily="34" charset="0"/>
+              <a:buChar char="•"/>
+            </a:pPr>
+            <a:r>
+              <a:rPr lang="en-US" sz="2000"/>
+              <a:t>Machine Learning: computers learn from data</a:t>
+            </a:r>
+          </a:p>
+          <a:p>
+            <a:pPr>
+              <a:buFont typeface="Arial" panose="020B0604020202020204" pitchFamily="34" charset="0"/>
+              <a:buChar char="•"/>
+            </a:pPr>
+            <a:r>
+              <a:rPr lang="en-US" sz="2000"/>
+              <a:t>Intersection of computer science and statistics</a:t>
+            </a:r>
+          </a:p>
+          <a:p>
+            <a:pPr>
+              <a:buFont typeface="Arial" panose="020B0604020202020204" pitchFamily="34" charset="0"/>
+              <a:buChar char="•"/>
+            </a:pPr>
+            <a:r>
+              <a:rPr lang="en-US" sz="2000"/>
+              <a:t>Algorithms perform specific task without explicit programming</a:t>
+            </a:r>
+          </a:p>
+          <a:p>
+            <a:pPr>
+              <a:buFont typeface="Arial" panose="020B0604020202020204" pitchFamily="34" charset="0"/>
+              <a:buChar char="•"/>
+            </a:pPr>
+            <a:r>
+              <a:rPr lang="en-US" sz="2000"/>
+              <a:t>Recognize patterns in data and make predictions</a:t>
+            </a:r>
+          </a:p>
+          <a:p>
+            <a:pPr>
+              <a:buFont typeface="Arial" panose="020B0604020202020204" pitchFamily="34" charset="0"/>
+              <a:buChar char="•"/>
+            </a:pPr>
+            <a:r>
+              <a:rPr lang="en-US" sz="2000"/>
+              <a:t>Learning process can be supervised or unsupervised</a:t>
+            </a:r>
+          </a:p>
+        </p:txBody>
+      </p:sp>
+      <p:pic>
+        <p:nvPicPr>
+          <p:cNvPr id="4" name="Grafik 3" descr="Einführung in Deep Learning—ArcGIS Pro | Dokumentation">
+            <a:extLst>
+              <a:ext uri="{FF2B5EF4-FFF2-40B4-BE49-F238E27FC236}">
+                <a16:creationId xmlns:a16="http://schemas.microsoft.com/office/drawing/2014/main" id="{D12BD1F0-8B51-BCC1-4D6C-4B46BDA6A29D}"/>
+              </a:ext>
+            </a:extLst>
+          </p:cNvPr>
+          <p:cNvPicPr>
+            <a:picLocks noChangeAspect="1"/>
+          </p:cNvPicPr>
+          <p:nvPr/>
+        </p:nvPicPr>
+        <p:blipFill>
+          <a:blip r:embed="rId2">
+            <a:extLst>
+              <a:ext uri="{28A0092B-C50C-407E-A947-70E740481C1C}">
+                <a14:useLocalDpi xmlns:a14="http://schemas.microsoft.com/office/drawing/2010/main" val="0"/>
+              </a:ext>
+            </a:extLst>
+          </a:blip>
+          <a:stretch>
+            <a:fillRect/>
+          </a:stretch>
+        </p:blipFill>
+        <p:spPr bwMode="auto">
+          <a:xfrm>
+            <a:off x="6969642" y="1001691"/>
+            <a:ext cx="4736963" cy="4699168"/>
+          </a:xfrm>
+          <a:prstGeom prst="rect">
+            <a:avLst/>
+          </a:prstGeom>
+          <a:noFill/>
+        </p:spPr>
+      </p:pic>
     </p:spTree>
     <p:extLst>
       <p:ext uri="{BB962C8B-B14F-4D97-AF65-F5344CB8AC3E}">
@@ -3916,7 +4770,7 @@
     </p:extLst>
   </p:cSld>
   <p:clrMapOvr>
-    <a:masterClrMapping/>
+    <a:overrideClrMapping bg1="dk1" tx1="lt1" bg2="dk2" tx2="lt2" accent1="accent1" accent2="accent2" accent3="accent3" accent4="accent4" accent5="accent5" accent6="accent6" hlink="hlink" folHlink="folHlink"/>
   </p:clrMapOvr>
 </p:sld>
 </file>
@@ -3943,7 +4797,7 @@
           <p:cNvPr id="2" name="Titel 1">
             <a:extLst>
               <a:ext uri="{FF2B5EF4-FFF2-40B4-BE49-F238E27FC236}">
-                <a16:creationId xmlns:a16="http://schemas.microsoft.com/office/drawing/2014/main" id="{30E8105A-9209-F0D5-25E4-6D1B25D5B4D0}"/>
+                <a16:creationId xmlns:a16="http://schemas.microsoft.com/office/drawing/2014/main" id="{5404D69F-666D-2E15-A2EA-5A1BD755980D}"/>
               </a:ext>
             </a:extLst>
           </p:cNvPr>
@@ -3961,7 +4815,7 @@
           <a:p>
             <a:r>
               <a:rPr lang="de-DE" dirty="0"/>
-              <a:t>Anwendung von KI</a:t>
+              <a:t>Deep Learning</a:t>
             </a:r>
           </a:p>
         </p:txBody>
@@ -3971,7 +4825,7 @@
           <p:cNvPr id="3" name="Inhaltsplatzhalter 2">
             <a:extLst>
               <a:ext uri="{FF2B5EF4-FFF2-40B4-BE49-F238E27FC236}">
-                <a16:creationId xmlns:a16="http://schemas.microsoft.com/office/drawing/2014/main" id="{15456EB9-078F-CCBA-D0A5-AFE7AFAC7717}"/>
+                <a16:creationId xmlns:a16="http://schemas.microsoft.com/office/drawing/2014/main" id="{9C5E4E05-4051-F7CA-2682-8DEB2749388D}"/>
               </a:ext>
             </a:extLst>
           </p:cNvPr>
@@ -3987,14 +4841,71 @@
           <a:bodyPr/>
           <a:lstStyle/>
           <a:p>
-            <a:endParaRPr lang="de-DE" dirty="0"/>
+            <a:pPr>
+              <a:buFont typeface="Arial" panose="020B0604020202020204" pitchFamily="34" charset="0"/>
+              <a:buChar char="•"/>
+            </a:pPr>
+            <a:r>
+              <a:rPr lang="en-US" dirty="0"/>
+              <a:t>Deep learning is an evolution of machine learning</a:t>
+            </a:r>
+          </a:p>
+          <a:p>
+            <a:pPr>
+              <a:buFont typeface="Arial" panose="020B0604020202020204" pitchFamily="34" charset="0"/>
+              <a:buChar char="•"/>
+            </a:pPr>
+            <a:r>
+              <a:rPr lang="en-US" dirty="0"/>
+              <a:t>Attracting a lot of attention lately due to recent developments</a:t>
+            </a:r>
+          </a:p>
+          <a:p>
+            <a:pPr>
+              <a:buFont typeface="Arial" panose="020B0604020202020204" pitchFamily="34" charset="0"/>
+              <a:buChar char="•"/>
+            </a:pPr>
+            <a:r>
+              <a:rPr lang="en-US" dirty="0"/>
+              <a:t>Data analyzed through a logical structure similar to human reasoning</a:t>
+            </a:r>
+          </a:p>
+          <a:p>
+            <a:pPr>
+              <a:buFont typeface="Arial" panose="020B0604020202020204" pitchFamily="34" charset="0"/>
+              <a:buChar char="•"/>
+            </a:pPr>
+            <a:r>
+              <a:rPr lang="en-US" dirty="0"/>
+              <a:t>Both supervised and unsupervised learning</a:t>
+            </a:r>
+          </a:p>
+          <a:p>
+            <a:pPr>
+              <a:buFont typeface="Arial" panose="020B0604020202020204" pitchFamily="34" charset="0"/>
+              <a:buChar char="•"/>
+            </a:pPr>
+            <a:r>
+              <a:rPr lang="en-US" dirty="0"/>
+              <a:t>Based on artificial neural network (ANN) design inspired by human brain</a:t>
+            </a:r>
+          </a:p>
+          <a:p>
+            <a:pPr>
+              <a:buFont typeface="Arial" panose="020B0604020202020204" pitchFamily="34" charset="0"/>
+              <a:buChar char="•"/>
+            </a:pPr>
+            <a:r>
+              <a:rPr lang="en-US" dirty="0"/>
+              <a:t>Resulting learning process is more capable than standard machine learning models</a:t>
+            </a:r>
           </a:p>
         </p:txBody>
       </p:sp>
     </p:spTree>
     <p:extLst>
       <p:ext uri="{BB962C8B-B14F-4D97-AF65-F5344CB8AC3E}">
-        <p14:creationId xmlns:p14="http://schemas.microsoft.com/office/powerpoint/2010/main" val="1738631983"/>
+        <p14:creationId xmlns:p14="http://schemas.microsoft.com/office/powerpoint/2010/main" val="983864874"/>
       </p:ext>
     </p:extLst>
   </p:cSld>
@@ -4007,6 +4918,14 @@
 <file path=ppt/slides/slide8.xml><?xml version="1.0" encoding="utf-8"?>
 <p:sld xmlns:a="http://schemas.openxmlformats.org/drawingml/2006/main" xmlns:r="http://schemas.openxmlformats.org/officeDocument/2006/relationships" xmlns:p="http://schemas.openxmlformats.org/presentationml/2006/main">
   <p:cSld>
+    <p:bg>
+      <p:bgPr>
+        <a:solidFill>
+          <a:schemeClr val="bg1"/>
+        </a:solidFill>
+        <a:effectLst/>
+      </p:bgPr>
+    </p:bg>
     <p:spTree>
       <p:nvGrpSpPr>
         <p:cNvPr id="1" name=""/>
@@ -4023,10 +4942,76 @@
       </p:grpSpPr>
       <p:sp>
         <p:nvSpPr>
+          <p:cNvPr id="9" name="Down Arrow 7">
+            <a:extLst>
+              <a:ext uri="{FF2B5EF4-FFF2-40B4-BE49-F238E27FC236}">
+                <a16:creationId xmlns:a16="http://schemas.microsoft.com/office/drawing/2014/main" id="{D4771268-CB57-404A-9271-370EB28F6090}"/>
+              </a:ext>
+              <a:ext uri="{C183D7F6-B498-43B3-948B-1728B52AA6E4}">
+                <adec:decorative xmlns:adec="http://schemas.microsoft.com/office/drawing/2017/decorative" val="1"/>
+              </a:ext>
+            </a:extLst>
+          </p:cNvPr>
+          <p:cNvSpPr>
+            <a:spLocks noGrp="1" noRot="1" noChangeAspect="1" noMove="1" noResize="1" noEditPoints="1" noAdjustHandles="1" noChangeArrowheads="1" noChangeShapeType="1" noTextEdit="1"/>
+          </p:cNvSpPr>
+          <p:nvPr>
+            <p:extLst>
+              <p:ext uri="{386F3935-93C4-4BCD-93E2-E3B085C9AB24}">
+                <p16:designElem xmlns:p16="http://schemas.microsoft.com/office/powerpoint/2015/main" val="1"/>
+              </p:ext>
+            </p:extLst>
+          </p:nvPr>
+        </p:nvSpPr>
+        <p:spPr>
+          <a:xfrm rot="16200000">
+            <a:off x="800100" y="1491343"/>
+            <a:ext cx="3333749" cy="3499103"/>
+          </a:xfrm>
+          <a:prstGeom prst="downArrow">
+            <a:avLst>
+              <a:gd name="adj1" fmla="val 100000"/>
+              <a:gd name="adj2" fmla="val 15788"/>
+            </a:avLst>
+          </a:prstGeom>
+          <a:solidFill>
+            <a:srgbClr val="404040"/>
+          </a:solidFill>
+          <a:ln w="53975">
+            <a:noFill/>
+          </a:ln>
+        </p:spPr>
+        <p:style>
+          <a:lnRef idx="2">
+            <a:schemeClr val="accent1">
+              <a:shade val="50000"/>
+            </a:schemeClr>
+          </a:lnRef>
+          <a:fillRef idx="1">
+            <a:schemeClr val="accent1"/>
+          </a:fillRef>
+          <a:effectRef idx="0">
+            <a:schemeClr val="accent1"/>
+          </a:effectRef>
+          <a:fontRef idx="minor">
+            <a:schemeClr val="lt1"/>
+          </a:fontRef>
+        </p:style>
+        <p:txBody>
+          <a:bodyPr rtlCol="0" anchor="ctr"/>
+          <a:lstStyle/>
+          <a:p>
+            <a:pPr algn="ctr"/>
+            <a:endParaRPr lang="en-US"/>
+          </a:p>
+        </p:txBody>
+      </p:sp>
+      <p:sp>
+        <p:nvSpPr>
           <p:cNvPr id="2" name="Titel 1">
             <a:extLst>
               <a:ext uri="{FF2B5EF4-FFF2-40B4-BE49-F238E27FC236}">
-                <a16:creationId xmlns:a16="http://schemas.microsoft.com/office/drawing/2014/main" id="{4DAB691A-F6F4-5AD4-80DB-4ACE442EEA51}"/>
+                <a16:creationId xmlns:a16="http://schemas.microsoft.com/office/drawing/2014/main" id="{5673184F-897F-3DB0-3AC8-579E279536BA}"/>
               </a:ext>
             </a:extLst>
           </p:cNvPr>
@@ -4037,47 +5022,120 @@
             <p:ph type="title"/>
           </p:nvPr>
         </p:nvSpPr>
-        <p:spPr/>
-        <p:txBody>
-          <a:bodyPr/>
-          <a:lstStyle/>
-          <a:p>
-            <a:r>
-              <a:rPr lang="de-DE" dirty="0"/>
-              <a:t>Hilfreiche Programme / Anwendungen</a:t>
-            </a:r>
-          </a:p>
-        </p:txBody>
-      </p:sp>
-      <p:sp>
-        <p:nvSpPr>
-          <p:cNvPr id="3" name="Inhaltsplatzhalter 2">
-            <a:extLst>
-              <a:ext uri="{FF2B5EF4-FFF2-40B4-BE49-F238E27FC236}">
-                <a16:creationId xmlns:a16="http://schemas.microsoft.com/office/drawing/2014/main" id="{12D48877-06B9-B18A-DE71-8F51E0387301}"/>
-              </a:ext>
-            </a:extLst>
-          </p:cNvPr>
-          <p:cNvSpPr>
-            <a:spLocks noGrp="1"/>
-          </p:cNvSpPr>
+        <p:spPr>
+          <a:xfrm>
+            <a:off x="1028700" y="1967266"/>
+            <a:ext cx="2628900" cy="2547257"/>
+          </a:xfrm>
+          <a:noFill/>
+        </p:spPr>
+        <p:txBody>
+          <a:bodyPr vert="horz" lIns="91440" tIns="45720" rIns="91440" bIns="45720" rtlCol="0" anchor="ctr">
+            <a:normAutofit/>
+          </a:bodyPr>
+          <a:lstStyle/>
+          <a:p>
+            <a:pPr algn="ctr"/>
+            <a:r>
+              <a:rPr lang="en-US" sz="3600" b="1" kern="1200">
+                <a:solidFill>
+                  <a:srgbClr val="FFFFFF"/>
+                </a:solidFill>
+                <a:latin typeface="+mj-lt"/>
+                <a:ea typeface="+mj-ea"/>
+                <a:cs typeface="+mj-cs"/>
+              </a:rPr>
+              <a:t>N</a:t>
+            </a:r>
+            <a:r>
+              <a:rPr lang="en-US" sz="3600" b="1" kern="1200">
+                <a:solidFill>
+                  <a:srgbClr val="FFFFFF"/>
+                </a:solidFill>
+                <a:effectLst/>
+                <a:latin typeface="+mj-lt"/>
+                <a:ea typeface="+mj-ea"/>
+                <a:cs typeface="+mj-cs"/>
+              </a:rPr>
+              <a:t>eural </a:t>
+            </a:r>
+            <a:r>
+              <a:rPr lang="en-US" sz="3600" b="1" kern="1200">
+                <a:solidFill>
+                  <a:srgbClr val="FFFFFF"/>
+                </a:solidFill>
+                <a:latin typeface="+mj-lt"/>
+                <a:ea typeface="+mj-ea"/>
+                <a:cs typeface="+mj-cs"/>
+              </a:rPr>
+              <a:t>N</a:t>
+            </a:r>
+            <a:r>
+              <a:rPr lang="en-US" sz="3600" b="1" kern="1200">
+                <a:solidFill>
+                  <a:srgbClr val="FFFFFF"/>
+                </a:solidFill>
+                <a:effectLst/>
+                <a:latin typeface="+mj-lt"/>
+                <a:ea typeface="+mj-ea"/>
+                <a:cs typeface="+mj-cs"/>
+              </a:rPr>
+              <a:t>etwork (NN)</a:t>
+            </a:r>
+            <a:endParaRPr lang="en-US" sz="3600" b="1" kern="1200">
+              <a:solidFill>
+                <a:srgbClr val="FFFFFF"/>
+              </a:solidFill>
+              <a:latin typeface="+mj-lt"/>
+              <a:ea typeface="+mj-ea"/>
+              <a:cs typeface="+mj-cs"/>
+            </a:endParaRPr>
+          </a:p>
+        </p:txBody>
+      </p:sp>
+      <p:pic>
+        <p:nvPicPr>
+          <p:cNvPr id="4" name="Inhaltsplatzhalter 3" descr="How artificial neural networks work">
+            <a:extLst>
+              <a:ext uri="{FF2B5EF4-FFF2-40B4-BE49-F238E27FC236}">
+                <a16:creationId xmlns:a16="http://schemas.microsoft.com/office/drawing/2014/main" id="{C8D4B43C-F701-5B3E-F6A7-7D4E19D18132}"/>
+              </a:ext>
+            </a:extLst>
+          </p:cNvPr>
+          <p:cNvPicPr>
+            <a:picLocks noGrp="1" noChangeAspect="1"/>
+          </p:cNvPicPr>
           <p:nvPr>
             <p:ph idx="1"/>
           </p:nvPr>
-        </p:nvSpPr>
-        <p:spPr/>
-        <p:txBody>
-          <a:bodyPr/>
-          <a:lstStyle/>
-          <a:p>
-            <a:endParaRPr lang="de-DE"/>
-          </a:p>
-        </p:txBody>
-      </p:sp>
+        </p:nvPicPr>
+        <p:blipFill>
+          <a:blip r:embed="rId2" cstate="print">
+            <a:extLst>
+              <a:ext uri="{28A0092B-C50C-407E-A947-70E740481C1C}">
+                <a14:useLocalDpi xmlns:a14="http://schemas.microsoft.com/office/drawing/2010/main" val="0"/>
+              </a:ext>
+            </a:extLst>
+          </a:blip>
+          <a:stretch>
+            <a:fillRect/>
+          </a:stretch>
+        </p:blipFill>
+        <p:spPr bwMode="auto">
+          <a:xfrm>
+            <a:off x="4777316" y="1164777"/>
+            <a:ext cx="6780700" cy="4526117"/>
+          </a:xfrm>
+          <a:prstGeom prst="rect">
+            <a:avLst/>
+          </a:prstGeom>
+          <a:noFill/>
+        </p:spPr>
+      </p:pic>
     </p:spTree>
     <p:extLst>
       <p:ext uri="{BB962C8B-B14F-4D97-AF65-F5344CB8AC3E}">
-        <p14:creationId xmlns:p14="http://schemas.microsoft.com/office/powerpoint/2010/main" val="2182540319"/>
+        <p14:creationId xmlns:p14="http://schemas.microsoft.com/office/powerpoint/2010/main" val="2268069268"/>
       </p:ext>
     </p:extLst>
   </p:cSld>
@@ -4090,6 +5148,14 @@
 <file path=ppt/slides/slide9.xml><?xml version="1.0" encoding="utf-8"?>
 <p:sld xmlns:a="http://schemas.openxmlformats.org/drawingml/2006/main" xmlns:r="http://schemas.openxmlformats.org/officeDocument/2006/relationships" xmlns:p="http://schemas.openxmlformats.org/presentationml/2006/main">
   <p:cSld>
+    <p:bg>
+      <p:bgPr>
+        <a:solidFill>
+          <a:schemeClr val="bg1"/>
+        </a:solidFill>
+        <a:effectLst/>
+      </p:bgPr>
+    </p:bg>
     <p:spTree>
       <p:nvGrpSpPr>
         <p:cNvPr id="1" name=""/>
@@ -4106,10 +5172,76 @@
       </p:grpSpPr>
       <p:sp>
         <p:nvSpPr>
+          <p:cNvPr id="10" name="Rectangle 9">
+            <a:extLst>
+              <a:ext uri="{FF2B5EF4-FFF2-40B4-BE49-F238E27FC236}">
+                <a16:creationId xmlns:a16="http://schemas.microsoft.com/office/drawing/2014/main" id="{A87EA4E9-DFD6-45D4-965D-8A79984EF440}"/>
+              </a:ext>
+              <a:ext uri="{C183D7F6-B498-43B3-948B-1728B52AA6E4}">
+                <adec:decorative xmlns:adec="http://schemas.microsoft.com/office/drawing/2017/decorative" val="1"/>
+              </a:ext>
+            </a:extLst>
+          </p:cNvPr>
+          <p:cNvSpPr>
+            <a:spLocks noGrp="1" noRot="1" noChangeAspect="1" noMove="1" noResize="1" noEditPoints="1" noAdjustHandles="1" noChangeArrowheads="1" noChangeShapeType="1" noTextEdit="1"/>
+          </p:cNvSpPr>
+          <p:nvPr>
+            <p:extLst>
+              <p:ext uri="{386F3935-93C4-4BCD-93E2-E3B085C9AB24}">
+                <p16:designElem xmlns:p16="http://schemas.microsoft.com/office/powerpoint/2015/main" val="1"/>
+              </p:ext>
+            </p:extLst>
+          </p:nvPr>
+        </p:nvSpPr>
+        <p:spPr>
+          <a:xfrm>
+            <a:off x="0" y="0"/>
+            <a:ext cx="12192000" cy="2429301"/>
+          </a:xfrm>
+          <a:prstGeom prst="rect">
+            <a:avLst/>
+          </a:prstGeom>
+          <a:solidFill>
+            <a:schemeClr val="tx1">
+              <a:lumMod val="75000"/>
+              <a:lumOff val="25000"/>
+            </a:schemeClr>
+          </a:solidFill>
+          <a:ln>
+            <a:noFill/>
+          </a:ln>
+        </p:spPr>
+        <p:style>
+          <a:lnRef idx="2">
+            <a:schemeClr val="accent1">
+              <a:shade val="50000"/>
+            </a:schemeClr>
+          </a:lnRef>
+          <a:fillRef idx="1">
+            <a:schemeClr val="accent1"/>
+          </a:fillRef>
+          <a:effectRef idx="0">
+            <a:schemeClr val="accent1"/>
+          </a:effectRef>
+          <a:fontRef idx="minor">
+            <a:schemeClr val="lt1"/>
+          </a:fontRef>
+        </p:style>
+        <p:txBody>
+          <a:bodyPr rtlCol="0" anchor="ctr"/>
+          <a:lstStyle/>
+          <a:p>
+            <a:pPr algn="ctr"/>
+            <a:endParaRPr lang="en-US"/>
+          </a:p>
+        </p:txBody>
+      </p:sp>
+      <p:sp>
+        <p:nvSpPr>
           <p:cNvPr id="2" name="Titel 1">
             <a:extLst>
               <a:ext uri="{FF2B5EF4-FFF2-40B4-BE49-F238E27FC236}">
-                <a16:creationId xmlns:a16="http://schemas.microsoft.com/office/drawing/2014/main" id="{E8B432B6-F3C4-A93D-B8C1-48C026EA75F5}"/>
+                <a16:creationId xmlns:a16="http://schemas.microsoft.com/office/drawing/2014/main" id="{04C650B1-FCB0-54B2-7928-774845CFC231}"/>
               </a:ext>
             </a:extLst>
           </p:cNvPr>
@@ -4120,47 +5252,197 @@
             <p:ph type="title"/>
           </p:nvPr>
         </p:nvSpPr>
-        <p:spPr/>
-        <p:txBody>
-          <a:bodyPr/>
-          <a:lstStyle/>
-          <a:p>
-            <a:r>
-              <a:rPr lang="de-DE" dirty="0"/>
-              <a:t>Schluss</a:t>
-            </a:r>
-          </a:p>
-        </p:txBody>
-      </p:sp>
-      <p:sp>
-        <p:nvSpPr>
-          <p:cNvPr id="3" name="Inhaltsplatzhalter 2">
-            <a:extLst>
-              <a:ext uri="{FF2B5EF4-FFF2-40B4-BE49-F238E27FC236}">
-                <a16:creationId xmlns:a16="http://schemas.microsoft.com/office/drawing/2014/main" id="{34F29082-1F80-EF70-05B3-9B13327CED38}"/>
-              </a:ext>
-            </a:extLst>
-          </p:cNvPr>
-          <p:cNvSpPr>
-            <a:spLocks noGrp="1"/>
-          </p:cNvSpPr>
-          <p:nvPr>
-            <p:ph idx="1"/>
-          </p:nvPr>
-        </p:nvSpPr>
-        <p:spPr/>
-        <p:txBody>
-          <a:bodyPr/>
-          <a:lstStyle/>
-          <a:p>
+        <p:spPr>
+          <a:xfrm>
+            <a:off x="842772" y="16786"/>
+            <a:ext cx="10506456" cy="1197864"/>
+          </a:xfrm>
+        </p:spPr>
+        <p:txBody>
+          <a:bodyPr vert="horz" lIns="91440" tIns="45720" rIns="91440" bIns="45720" rtlCol="0" anchor="b">
+            <a:normAutofit/>
+          </a:bodyPr>
+          <a:lstStyle/>
+          <a:p>
+            <a:pPr algn="ctr"/>
+            <a:r>
+              <a:rPr lang="en-US" sz="5400" dirty="0" err="1">
+                <a:solidFill>
+                  <a:schemeClr val="bg1"/>
+                </a:solidFill>
+              </a:rPr>
+              <a:t>Beispiel</a:t>
+            </a:r>
+            <a:r>
+              <a:rPr lang="en-US" sz="5400" dirty="0">
+                <a:solidFill>
+                  <a:schemeClr val="bg1"/>
+                </a:solidFill>
+              </a:rPr>
+              <a:t>: </a:t>
+            </a:r>
+            <a:r>
+              <a:rPr lang="en-US" sz="5400" dirty="0" err="1">
+                <a:solidFill>
+                  <a:schemeClr val="bg1"/>
+                </a:solidFill>
+              </a:rPr>
+              <a:t>Handschrift</a:t>
+            </a:r>
+            <a:r>
+              <a:rPr lang="en-US" sz="5400" dirty="0">
+                <a:solidFill>
+                  <a:schemeClr val="bg1"/>
+                </a:solidFill>
+              </a:rPr>
+              <a:t> </a:t>
+            </a:r>
+            <a:r>
+              <a:rPr lang="en-US" sz="5400" dirty="0" err="1">
+                <a:solidFill>
+                  <a:schemeClr val="bg1"/>
+                </a:solidFill>
+              </a:rPr>
+              <a:t>Erkennung</a:t>
+            </a:r>
+            <a:endParaRPr lang="en-US" sz="5400" dirty="0">
+              <a:solidFill>
+                <a:schemeClr val="bg1"/>
+              </a:solidFill>
+            </a:endParaRPr>
+          </a:p>
+        </p:txBody>
+      </p:sp>
+      <p:sp>
+        <p:nvSpPr>
+          <p:cNvPr id="8" name="Rechteck 7">
+            <a:extLst>
+              <a:ext uri="{FF2B5EF4-FFF2-40B4-BE49-F238E27FC236}">
+                <a16:creationId xmlns:a16="http://schemas.microsoft.com/office/drawing/2014/main" id="{DB1F32B8-8AD2-CE2F-5C24-D9563314432D}"/>
+              </a:ext>
+            </a:extLst>
+          </p:cNvPr>
+          <p:cNvSpPr/>
+          <p:nvPr/>
+        </p:nvSpPr>
+        <p:spPr>
+          <a:xfrm>
+            <a:off x="0" y="1527584"/>
+            <a:ext cx="12284364" cy="1283855"/>
+          </a:xfrm>
+          <a:prstGeom prst="rect">
+            <a:avLst/>
+          </a:prstGeom>
+          <a:solidFill>
+            <a:schemeClr val="bg1"/>
+          </a:solidFill>
+          <a:ln>
+            <a:noFill/>
+          </a:ln>
+        </p:spPr>
+        <p:style>
+          <a:lnRef idx="2">
+            <a:schemeClr val="accent1">
+              <a:shade val="50000"/>
+            </a:schemeClr>
+          </a:lnRef>
+          <a:fillRef idx="1">
+            <a:schemeClr val="accent1"/>
+          </a:fillRef>
+          <a:effectRef idx="0">
+            <a:schemeClr val="accent1"/>
+          </a:effectRef>
+          <a:fontRef idx="minor">
+            <a:schemeClr val="lt1"/>
+          </a:fontRef>
+        </p:style>
+        <p:txBody>
+          <a:bodyPr rtlCol="0" anchor="ctr"/>
+          <a:lstStyle/>
+          <a:p>
+            <a:pPr algn="ctr"/>
             <a:endParaRPr lang="de-DE"/>
           </a:p>
         </p:txBody>
       </p:sp>
+      <p:pic>
+        <p:nvPicPr>
+          <p:cNvPr id="5" name="Grafik 4" descr="MNIST - by Chris Albon - Short Notes On AI">
+            <a:extLst>
+              <a:ext uri="{FF2B5EF4-FFF2-40B4-BE49-F238E27FC236}">
+                <a16:creationId xmlns:a16="http://schemas.microsoft.com/office/drawing/2014/main" id="{060541FB-BAAE-9AC1-5C28-CB7B37CF5BF8}"/>
+              </a:ext>
+            </a:extLst>
+          </p:cNvPr>
+          <p:cNvPicPr>
+            <a:picLocks noChangeAspect="1"/>
+          </p:cNvPicPr>
+          <p:nvPr/>
+        </p:nvPicPr>
+        <p:blipFill>
+          <a:blip r:embed="rId2">
+            <a:extLst>
+              <a:ext uri="{28A0092B-C50C-407E-A947-70E740481C1C}">
+                <a14:useLocalDpi xmlns:a14="http://schemas.microsoft.com/office/drawing/2010/main" val="0"/>
+              </a:ext>
+            </a:extLst>
+          </a:blip>
+          <a:stretch>
+            <a:fillRect/>
+          </a:stretch>
+        </p:blipFill>
+        <p:spPr bwMode="auto">
+          <a:xfrm>
+            <a:off x="1187728" y="2364975"/>
+            <a:ext cx="3707681" cy="3587182"/>
+          </a:xfrm>
+          <a:prstGeom prst="rect">
+            <a:avLst/>
+          </a:prstGeom>
+          <a:noFill/>
+        </p:spPr>
+      </p:pic>
+      <p:pic>
+        <p:nvPicPr>
+          <p:cNvPr id="4" name="Grafik 3">
+            <a:extLst>
+              <a:ext uri="{FF2B5EF4-FFF2-40B4-BE49-F238E27FC236}">
+                <a16:creationId xmlns:a16="http://schemas.microsoft.com/office/drawing/2014/main" id="{FDFA1747-2E18-A881-7178-E323D12CC373}"/>
+              </a:ext>
+            </a:extLst>
+          </p:cNvPr>
+          <p:cNvPicPr>
+            <a:picLocks noChangeAspect="1"/>
+          </p:cNvPicPr>
+          <p:nvPr/>
+        </p:nvPicPr>
+        <p:blipFill>
+          <a:blip r:embed="rId3">
+            <a:extLst>
+              <a:ext uri="{28A0092B-C50C-407E-A947-70E740481C1C}">
+                <a14:useLocalDpi xmlns:a14="http://schemas.microsoft.com/office/drawing/2010/main" val="0"/>
+              </a:ext>
+            </a:extLst>
+          </a:blip>
+          <a:stretch>
+            <a:fillRect/>
+          </a:stretch>
+        </p:blipFill>
+        <p:spPr bwMode="auto">
+          <a:xfrm>
+            <a:off x="5150139" y="1651623"/>
+            <a:ext cx="6022685" cy="5013885"/>
+          </a:xfrm>
+          <a:prstGeom prst="rect">
+            <a:avLst/>
+          </a:prstGeom>
+          <a:noFill/>
+        </p:spPr>
+      </p:pic>
     </p:spTree>
     <p:extLst>
       <p:ext uri="{BB962C8B-B14F-4D97-AF65-F5344CB8AC3E}">
-        <p14:creationId xmlns:p14="http://schemas.microsoft.com/office/powerpoint/2010/main" val="3953310558"/>
+        <p14:creationId xmlns:p14="http://schemas.microsoft.com/office/powerpoint/2010/main" val="2045331096"/>
       </p:ext>
     </p:extLst>
   </p:cSld>
